--- a/Slides/0.Presentacion_del_Curso.pptx
+++ b/Slides/0.Presentacion_del_Curso.pptx
@@ -5,6 +5,9 @@
     <p:sldMasterId id="2147483672" r:id="rId1"/>
     <p:sldMasterId id="2147483684" r:id="rId2"/>
   </p:sldMasterIdLst>
+  <p:notesMasterIdLst>
+    <p:notesMasterId r:id="rId17"/>
+  </p:notesMasterIdLst>
   <p:sldIdLst>
     <p:sldId id="257" r:id="rId3"/>
     <p:sldId id="265" r:id="rId4"/>
@@ -139,30 +142,6 @@
 
 <file path=ppt/changesInfos/changesInfo1.xml><?xml version="1.0" encoding="utf-8"?>
 <pc:chgInfo xmlns:a="http://schemas.openxmlformats.org/drawingml/2006/main" xmlns:r="http://schemas.openxmlformats.org/officeDocument/2006/relationships" xmlns:ac="http://schemas.microsoft.com/office/drawing/2013/main/command" xmlns:pc="http://schemas.microsoft.com/office/powerpoint/2013/main/command">
-  <pc:docChgLst>
-    <pc:chgData name="Cesar Augusto Lopez Gallego" userId="0dfa9112-9251-4882-b472-cf2dfcee09d1" providerId="ADAL" clId="{CBE6D4D7-E45C-4F07-877F-A127B989F789}"/>
-    <pc:docChg chg="modSld">
-      <pc:chgData name="Cesar Augusto Lopez Gallego" userId="0dfa9112-9251-4882-b472-cf2dfcee09d1" providerId="ADAL" clId="{CBE6D4D7-E45C-4F07-877F-A127B989F789}" dt="2022-09-09T20:30:39.214" v="62" actId="20577"/>
-      <pc:docMkLst>
-        <pc:docMk/>
-      </pc:docMkLst>
-      <pc:sldChg chg="modSp">
-        <pc:chgData name="Cesar Augusto Lopez Gallego" userId="0dfa9112-9251-4882-b472-cf2dfcee09d1" providerId="ADAL" clId="{CBE6D4D7-E45C-4F07-877F-A127B989F789}" dt="2022-09-09T20:30:39.214" v="62" actId="20577"/>
-        <pc:sldMkLst>
-          <pc:docMk/>
-          <pc:sldMk cId="3955610236" sldId="269"/>
-        </pc:sldMkLst>
-        <pc:graphicFrameChg chg="modGraphic">
-          <ac:chgData name="Cesar Augusto Lopez Gallego" userId="0dfa9112-9251-4882-b472-cf2dfcee09d1" providerId="ADAL" clId="{CBE6D4D7-E45C-4F07-877F-A127B989F789}" dt="2022-09-09T20:30:39.214" v="62" actId="20577"/>
-          <ac:graphicFrameMkLst>
-            <pc:docMk/>
-            <pc:sldMk cId="3955610236" sldId="269"/>
-            <ac:graphicFrameMk id="4" creationId="{00000000-0000-0000-0000-000000000000}"/>
-          </ac:graphicFrameMkLst>
-        </pc:graphicFrameChg>
-      </pc:sldChg>
-    </pc:docChg>
-  </pc:docChgLst>
   <pc:docChgLst>
     <pc:chgData name="Cesar Augusto Lopez Gallego" userId="0dfa9112-9251-4882-b472-cf2dfcee09d1" providerId="ADAL" clId="{16F64108-75EE-4E7A-8D57-085BD96FB7D6}"/>
     <pc:docChg chg="custSel delSld modSld sldOrd">
@@ -316,6 +295,77 @@
     </pc:docChg>
   </pc:docChgLst>
   <pc:docChgLst>
+    <pc:chgData name="Cesar Augusto Lopez Gallego" userId="0dfa9112-9251-4882-b472-cf2dfcee09d1" providerId="ADAL" clId="{F321230C-0605-4CC2-9E1E-5CE07CCEE894}"/>
+    <pc:docChg chg="modSld">
+      <pc:chgData name="Cesar Augusto Lopez Gallego" userId="0dfa9112-9251-4882-b472-cf2dfcee09d1" providerId="ADAL" clId="{F321230C-0605-4CC2-9E1E-5CE07CCEE894}" dt="2026-01-16T12:42:29.330" v="435" actId="20577"/>
+      <pc:docMkLst>
+        <pc:docMk/>
+      </pc:docMkLst>
+      <pc:sldChg chg="modSp mod modAnim modNotesTx">
+        <pc:chgData name="Cesar Augusto Lopez Gallego" userId="0dfa9112-9251-4882-b472-cf2dfcee09d1" providerId="ADAL" clId="{F321230C-0605-4CC2-9E1E-5CE07CCEE894}" dt="2026-01-16T12:42:29.330" v="435" actId="20577"/>
+        <pc:sldMkLst>
+          <pc:docMk/>
+          <pc:sldMk cId="3955610236" sldId="269"/>
+        </pc:sldMkLst>
+        <pc:graphicFrameChg chg="mod modGraphic">
+          <ac:chgData name="Cesar Augusto Lopez Gallego" userId="0dfa9112-9251-4882-b472-cf2dfcee09d1" providerId="ADAL" clId="{F321230C-0605-4CC2-9E1E-5CE07CCEE894}" dt="2026-01-15T22:31:30.241" v="403"/>
+          <ac:graphicFrameMkLst>
+            <pc:docMk/>
+            <pc:sldMk cId="3955610236" sldId="269"/>
+            <ac:graphicFrameMk id="5" creationId="{037E4D31-75B8-474D-BF18-F12F6D663307}"/>
+          </ac:graphicFrameMkLst>
+        </pc:graphicFrameChg>
+        <pc:graphicFrameChg chg="mod">
+          <ac:chgData name="Cesar Augusto Lopez Gallego" userId="0dfa9112-9251-4882-b472-cf2dfcee09d1" providerId="ADAL" clId="{F321230C-0605-4CC2-9E1E-5CE07CCEE894}" dt="2026-01-16T12:42:29.330" v="435" actId="20577"/>
+          <ac:graphicFrameMkLst>
+            <pc:docMk/>
+            <pc:sldMk cId="3955610236" sldId="269"/>
+            <ac:graphicFrameMk id="6" creationId="{FB4821A6-8C79-42A7-8B96-56BEF3B42B8B}"/>
+          </ac:graphicFrameMkLst>
+        </pc:graphicFrameChg>
+      </pc:sldChg>
+    </pc:docChg>
+  </pc:docChgLst>
+  <pc:docChgLst>
+    <pc:chgData name="Cesar Augusto Lopez Gallego" userId="0dfa9112-9251-4882-b472-cf2dfcee09d1" providerId="ADAL" clId="{DE6737D3-B4C8-45F0-A506-BC9F8459DBD2}"/>
+    <pc:docChg chg="delSld modSld">
+      <pc:chgData name="Cesar Augusto Lopez Gallego" userId="0dfa9112-9251-4882-b472-cf2dfcee09d1" providerId="ADAL" clId="{DE6737D3-B4C8-45F0-A506-BC9F8459DBD2}" dt="2025-07-15T13:26:42.630" v="19" actId="20577"/>
+      <pc:docMkLst>
+        <pc:docMk/>
+      </pc:docMkLst>
+      <pc:sldChg chg="modSp">
+        <pc:chgData name="Cesar Augusto Lopez Gallego" userId="0dfa9112-9251-4882-b472-cf2dfcee09d1" providerId="ADAL" clId="{DE6737D3-B4C8-45F0-A506-BC9F8459DBD2}" dt="2025-07-15T13:26:42.630" v="19" actId="20577"/>
+        <pc:sldMkLst>
+          <pc:docMk/>
+          <pc:sldMk cId="3955610236" sldId="269"/>
+        </pc:sldMkLst>
+        <pc:graphicFrameChg chg="mod">
+          <ac:chgData name="Cesar Augusto Lopez Gallego" userId="0dfa9112-9251-4882-b472-cf2dfcee09d1" providerId="ADAL" clId="{DE6737D3-B4C8-45F0-A506-BC9F8459DBD2}" dt="2025-07-15T13:26:42.630" v="19" actId="20577"/>
+          <ac:graphicFrameMkLst>
+            <pc:docMk/>
+            <pc:sldMk cId="3955610236" sldId="269"/>
+            <ac:graphicFrameMk id="5" creationId="{037E4D31-75B8-474D-BF18-F12F6D663307}"/>
+          </ac:graphicFrameMkLst>
+        </pc:graphicFrameChg>
+      </pc:sldChg>
+      <pc:sldChg chg="modSp del mod">
+        <pc:chgData name="Cesar Augusto Lopez Gallego" userId="0dfa9112-9251-4882-b472-cf2dfcee09d1" providerId="ADAL" clId="{DE6737D3-B4C8-45F0-A506-BC9F8459DBD2}" dt="2025-07-15T13:25:54.023" v="1" actId="47"/>
+        <pc:sldMkLst>
+          <pc:docMk/>
+          <pc:sldMk cId="0" sldId="1061"/>
+        </pc:sldMkLst>
+        <pc:spChg chg="mod">
+          <ac:chgData name="Cesar Augusto Lopez Gallego" userId="0dfa9112-9251-4882-b472-cf2dfcee09d1" providerId="ADAL" clId="{DE6737D3-B4C8-45F0-A506-BC9F8459DBD2}" dt="2025-07-15T13:25:12.675" v="0" actId="20577"/>
+          <ac:spMkLst>
+            <pc:docMk/>
+            <pc:sldMk cId="0" sldId="1061"/>
+            <ac:spMk id="4" creationId="{9EA3E6C6-E0CA-44E8-9F90-6202460FC461}"/>
+          </ac:spMkLst>
+        </pc:spChg>
+      </pc:sldChg>
+    </pc:docChg>
+  </pc:docChgLst>
+  <pc:docChgLst>
     <pc:chgData name="Cesar Augusto Lopez Gallego" userId="0dfa9112-9251-4882-b472-cf2dfcee09d1" providerId="ADAL" clId="{7344A93C-BCBA-4AE3-A706-7F1CCF079FAE}"/>
     <pc:docChg chg="custSel modSld">
       <pc:chgData name="Cesar Augusto Lopez Gallego" userId="0dfa9112-9251-4882-b472-cf2dfcee09d1" providerId="ADAL" clId="{7344A93C-BCBA-4AE3-A706-7F1CCF079FAE}" dt="2024-09-26T15:43:06.276" v="946" actId="20577"/>
@@ -409,41 +459,26 @@
     </pc:docChg>
   </pc:docChgLst>
   <pc:docChgLst>
-    <pc:chgData name="Cesar Augusto Lopez Gallego" userId="0dfa9112-9251-4882-b472-cf2dfcee09d1" providerId="ADAL" clId="{DE6737D3-B4C8-45F0-A506-BC9F8459DBD2}"/>
-    <pc:docChg chg="delSld modSld">
-      <pc:chgData name="Cesar Augusto Lopez Gallego" userId="0dfa9112-9251-4882-b472-cf2dfcee09d1" providerId="ADAL" clId="{DE6737D3-B4C8-45F0-A506-BC9F8459DBD2}" dt="2025-07-15T13:26:42.630" v="19" actId="20577"/>
+    <pc:chgData name="Cesar Augusto Lopez Gallego" userId="0dfa9112-9251-4882-b472-cf2dfcee09d1" providerId="ADAL" clId="{CBE6D4D7-E45C-4F07-877F-A127B989F789}"/>
+    <pc:docChg chg="modSld">
+      <pc:chgData name="Cesar Augusto Lopez Gallego" userId="0dfa9112-9251-4882-b472-cf2dfcee09d1" providerId="ADAL" clId="{CBE6D4D7-E45C-4F07-877F-A127B989F789}" dt="2022-09-09T20:30:39.214" v="62" actId="20577"/>
       <pc:docMkLst>
         <pc:docMk/>
       </pc:docMkLst>
       <pc:sldChg chg="modSp">
-        <pc:chgData name="Cesar Augusto Lopez Gallego" userId="0dfa9112-9251-4882-b472-cf2dfcee09d1" providerId="ADAL" clId="{DE6737D3-B4C8-45F0-A506-BC9F8459DBD2}" dt="2025-07-15T13:26:42.630" v="19" actId="20577"/>
+        <pc:chgData name="Cesar Augusto Lopez Gallego" userId="0dfa9112-9251-4882-b472-cf2dfcee09d1" providerId="ADAL" clId="{CBE6D4D7-E45C-4F07-877F-A127B989F789}" dt="2022-09-09T20:30:39.214" v="62" actId="20577"/>
         <pc:sldMkLst>
           <pc:docMk/>
           <pc:sldMk cId="3955610236" sldId="269"/>
         </pc:sldMkLst>
-        <pc:graphicFrameChg chg="mod">
-          <ac:chgData name="Cesar Augusto Lopez Gallego" userId="0dfa9112-9251-4882-b472-cf2dfcee09d1" providerId="ADAL" clId="{DE6737D3-B4C8-45F0-A506-BC9F8459DBD2}" dt="2025-07-15T13:26:42.630" v="19" actId="20577"/>
+        <pc:graphicFrameChg chg="modGraphic">
+          <ac:chgData name="Cesar Augusto Lopez Gallego" userId="0dfa9112-9251-4882-b472-cf2dfcee09d1" providerId="ADAL" clId="{CBE6D4D7-E45C-4F07-877F-A127B989F789}" dt="2022-09-09T20:30:39.214" v="62" actId="20577"/>
           <ac:graphicFrameMkLst>
             <pc:docMk/>
             <pc:sldMk cId="3955610236" sldId="269"/>
-            <ac:graphicFrameMk id="5" creationId="{037E4D31-75B8-474D-BF18-F12F6D663307}"/>
+            <ac:graphicFrameMk id="4" creationId="{00000000-0000-0000-0000-000000000000}"/>
           </ac:graphicFrameMkLst>
         </pc:graphicFrameChg>
-      </pc:sldChg>
-      <pc:sldChg chg="modSp del mod">
-        <pc:chgData name="Cesar Augusto Lopez Gallego" userId="0dfa9112-9251-4882-b472-cf2dfcee09d1" providerId="ADAL" clId="{DE6737D3-B4C8-45F0-A506-BC9F8459DBD2}" dt="2025-07-15T13:25:54.023" v="1" actId="47"/>
-        <pc:sldMkLst>
-          <pc:docMk/>
-          <pc:sldMk cId="0" sldId="1061"/>
-        </pc:sldMkLst>
-        <pc:spChg chg="mod">
-          <ac:chgData name="Cesar Augusto Lopez Gallego" userId="0dfa9112-9251-4882-b472-cf2dfcee09d1" providerId="ADAL" clId="{DE6737D3-B4C8-45F0-A506-BC9F8459DBD2}" dt="2025-07-15T13:25:12.675" v="0" actId="20577"/>
-          <ac:spMkLst>
-            <pc:docMk/>
-            <pc:sldMk cId="0" sldId="1061"/>
-            <ac:spMk id="4" creationId="{9EA3E6C6-E0CA-44E8-9F90-6202460FC461}"/>
-          </ac:spMkLst>
-        </pc:spChg>
       </pc:sldChg>
     </pc:docChg>
   </pc:docChgLst>
@@ -2325,11 +2360,12 @@
         <a:bodyPr/>
         <a:lstStyle/>
         <a:p>
+          <a:pPr algn="ctr"/>
           <a:r>
-            <a:rPr lang="es-ES" sz="1800" dirty="0"/>
+            <a:rPr lang="es-ES" sz="1600" dirty="0"/>
             <a:t>Repaso Paradigmas</a:t>
           </a:r>
-          <a:endParaRPr lang="es-419" sz="1800" dirty="0"/>
+          <a:endParaRPr lang="es-419" sz="1600" dirty="0"/>
         </a:p>
       </dgm:t>
     </dgm:pt>
@@ -2340,7 +2376,7 @@
         <a:bodyPr/>
         <a:lstStyle/>
         <a:p>
-          <a:endParaRPr lang="es-419" sz="2000"/>
+          <a:endParaRPr lang="es-419" sz="1600"/>
         </a:p>
       </dgm:t>
     </dgm:pt>
@@ -2351,7 +2387,7 @@
         <a:bodyPr/>
         <a:lstStyle/>
         <a:p>
-          <a:endParaRPr lang="es-419" sz="2000"/>
+          <a:endParaRPr lang="es-419" sz="1600"/>
         </a:p>
       </dgm:t>
     </dgm:pt>
@@ -2362,11 +2398,12 @@
         <a:bodyPr/>
         <a:lstStyle/>
         <a:p>
+          <a:pPr algn="ctr"/>
           <a:r>
-            <a:rPr lang="es-ES" sz="1800" dirty="0"/>
+            <a:rPr lang="es-ES" sz="1600" dirty="0"/>
             <a:t>Introducción Arquitectura de Software</a:t>
           </a:r>
-          <a:endParaRPr lang="es-419" sz="1800" dirty="0"/>
+          <a:endParaRPr lang="es-419" sz="1600" dirty="0"/>
         </a:p>
       </dgm:t>
     </dgm:pt>
@@ -2377,7 +2414,7 @@
         <a:bodyPr/>
         <a:lstStyle/>
         <a:p>
-          <a:endParaRPr lang="es-419" sz="2000"/>
+          <a:endParaRPr lang="es-419" sz="1600"/>
         </a:p>
       </dgm:t>
     </dgm:pt>
@@ -2388,7 +2425,7 @@
         <a:bodyPr/>
         <a:lstStyle/>
         <a:p>
-          <a:endParaRPr lang="es-419" sz="2000"/>
+          <a:endParaRPr lang="es-419" sz="1600"/>
         </a:p>
       </dgm:t>
     </dgm:pt>
@@ -2399,11 +2436,12 @@
         <a:bodyPr/>
         <a:lstStyle/>
         <a:p>
+          <a:pPr algn="ctr"/>
           <a:r>
-            <a:rPr lang="es-ES" sz="1800" dirty="0"/>
-            <a:t>Principios SOLID Teoría - Implementación</a:t>
+            <a:rPr lang="es-ES" sz="1600" dirty="0"/>
+            <a:t>Principios SOLID</a:t>
           </a:r>
-          <a:endParaRPr lang="es-419" sz="1800" dirty="0"/>
+          <a:endParaRPr lang="es-419" sz="1600" dirty="0"/>
         </a:p>
       </dgm:t>
     </dgm:pt>
@@ -2414,7 +2452,7 @@
         <a:bodyPr/>
         <a:lstStyle/>
         <a:p>
-          <a:endParaRPr lang="es-419" sz="2000"/>
+          <a:endParaRPr lang="es-419" sz="1600"/>
         </a:p>
       </dgm:t>
     </dgm:pt>
@@ -2425,7 +2463,7 @@
         <a:bodyPr/>
         <a:lstStyle/>
         <a:p>
-          <a:endParaRPr lang="es-419" sz="2000"/>
+          <a:endParaRPr lang="es-419" sz="1600"/>
         </a:p>
       </dgm:t>
     </dgm:pt>
@@ -2436,11 +2474,12 @@
         <a:bodyPr/>
         <a:lstStyle/>
         <a:p>
+          <a:pPr algn="ctr"/>
           <a:r>
-            <a:rPr lang="es-ES" sz="1800" dirty="0"/>
-            <a:t>Patrones de Diseño Arquitectónico</a:t>
+            <a:rPr lang="es-ES" sz="1600" dirty="0"/>
+            <a:t>Patrones de Diseño Arquitectónico Creacionales, Estructurales y Comportamiento</a:t>
           </a:r>
-          <a:endParaRPr lang="es-419" sz="1800" dirty="0"/>
+          <a:endParaRPr lang="es-419" sz="1600" dirty="0"/>
         </a:p>
       </dgm:t>
     </dgm:pt>
@@ -2451,7 +2490,7 @@
         <a:bodyPr/>
         <a:lstStyle/>
         <a:p>
-          <a:endParaRPr lang="es-419" sz="2000"/>
+          <a:endParaRPr lang="es-419" sz="1600"/>
         </a:p>
       </dgm:t>
     </dgm:pt>
@@ -2462,122 +2501,7 @@
         <a:bodyPr/>
         <a:lstStyle/>
         <a:p>
-          <a:endParaRPr lang="es-419" sz="2000"/>
-        </a:p>
-      </dgm:t>
-    </dgm:pt>
-    <dgm:pt modelId="{8589BB71-2394-4CA2-8BA1-08B6C6BCC0B6}">
-      <dgm:prSet phldrT="[Texto]" custT="1"/>
-      <dgm:spPr/>
-      <dgm:t>
-        <a:bodyPr/>
-        <a:lstStyle/>
-        <a:p>
-          <a:r>
-            <a:rPr lang="es-ES" sz="1400" dirty="0"/>
-            <a:t>Estructurales</a:t>
-          </a:r>
-          <a:endParaRPr lang="es-419" sz="1400" dirty="0"/>
-        </a:p>
-      </dgm:t>
-    </dgm:pt>
-    <dgm:pt modelId="{7AE3F086-9EEF-4F97-A7EB-F661DD6F08A2}" type="parTrans" cxnId="{43EE428F-44C5-44D3-AFCF-ADD5665BF3AE}">
-      <dgm:prSet/>
-      <dgm:spPr/>
-      <dgm:t>
-        <a:bodyPr/>
-        <a:lstStyle/>
-        <a:p>
-          <a:endParaRPr lang="es-419" sz="2000"/>
-        </a:p>
-      </dgm:t>
-    </dgm:pt>
-    <dgm:pt modelId="{3A1B62A9-6B36-4EB3-AE4E-99861CBE5AEF}" type="sibTrans" cxnId="{43EE428F-44C5-44D3-AFCF-ADD5665BF3AE}">
-      <dgm:prSet/>
-      <dgm:spPr/>
-      <dgm:t>
-        <a:bodyPr/>
-        <a:lstStyle/>
-        <a:p>
-          <a:endParaRPr lang="es-419" sz="2000"/>
-        </a:p>
-      </dgm:t>
-    </dgm:pt>
-    <dgm:pt modelId="{A7850F8C-D673-4AC1-9038-5D0D5FFCC51C}">
-      <dgm:prSet phldrT="[Texto]" custT="1"/>
-      <dgm:spPr/>
-      <dgm:t>
-        <a:bodyPr/>
-        <a:lstStyle/>
-        <a:p>
-          <a:r>
-            <a:rPr lang="es-ES" sz="1400" dirty="0"/>
-            <a:t>Comportamiento</a:t>
-          </a:r>
-          <a:endParaRPr lang="es-419" sz="1400" dirty="0"/>
-        </a:p>
-      </dgm:t>
-    </dgm:pt>
-    <dgm:pt modelId="{69AE17D0-CE0B-47C3-B876-D7D021391951}" type="parTrans" cxnId="{4800B1BA-3B00-4F8F-AD24-7C153CC31CB8}">
-      <dgm:prSet/>
-      <dgm:spPr/>
-      <dgm:t>
-        <a:bodyPr/>
-        <a:lstStyle/>
-        <a:p>
-          <a:endParaRPr lang="es-419" sz="2000"/>
-        </a:p>
-      </dgm:t>
-    </dgm:pt>
-    <dgm:pt modelId="{F18AF561-31D8-427B-8487-6135780E287D}" type="sibTrans" cxnId="{4800B1BA-3B00-4F8F-AD24-7C153CC31CB8}">
-      <dgm:prSet/>
-      <dgm:spPr/>
-      <dgm:t>
-        <a:bodyPr/>
-        <a:lstStyle/>
-        <a:p>
-          <a:endParaRPr lang="es-419" sz="2000"/>
-        </a:p>
-      </dgm:t>
-    </dgm:pt>
-    <dgm:pt modelId="{20AB106D-83B7-43BF-90F4-BBFA72F3B00F}">
-      <dgm:prSet phldrT="[Texto]" custT="1"/>
-      <dgm:spPr/>
-      <dgm:t>
-        <a:bodyPr/>
-        <a:lstStyle/>
-        <a:p>
-          <a:r>
-            <a:rPr lang="es-ES" sz="1800" dirty="0"/>
-            <a:t>Arquitectura Orientada a Servicios –  MVC - </a:t>
-          </a:r>
-          <a:r>
-            <a:rPr lang="es-ES" sz="1800" dirty="0" err="1"/>
-            <a:t>MicroServicios</a:t>
-          </a:r>
-          <a:endParaRPr lang="es-419" sz="1800" dirty="0"/>
-        </a:p>
-      </dgm:t>
-    </dgm:pt>
-    <dgm:pt modelId="{1D601B9E-ACA5-4EB8-ADD1-76C915C9ED2B}" type="parTrans" cxnId="{BE17D8B3-8838-40D4-8C90-0424EFAB1423}">
-      <dgm:prSet/>
-      <dgm:spPr/>
-      <dgm:t>
-        <a:bodyPr/>
-        <a:lstStyle/>
-        <a:p>
-          <a:endParaRPr lang="es-419" sz="2000"/>
-        </a:p>
-      </dgm:t>
-    </dgm:pt>
-    <dgm:pt modelId="{EDD4E755-4632-4D2C-AEAA-B657419A3475}" type="sibTrans" cxnId="{BE17D8B3-8838-40D4-8C90-0424EFAB1423}">
-      <dgm:prSet/>
-      <dgm:spPr/>
-      <dgm:t>
-        <a:bodyPr/>
-        <a:lstStyle/>
-        <a:p>
-          <a:endParaRPr lang="es-419" sz="2000"/>
+          <a:endParaRPr lang="es-419" sz="1600"/>
         </a:p>
       </dgm:t>
     </dgm:pt>
@@ -2588,11 +2512,7 @@
         <a:bodyPr/>
         <a:lstStyle/>
         <a:p>
-          <a:r>
-            <a:rPr lang="es-ES" sz="1400" dirty="0"/>
-            <a:t>Creacionales</a:t>
-          </a:r>
-          <a:endParaRPr lang="es-419" sz="1400" dirty="0"/>
+          <a:endParaRPr lang="es-419" sz="1600" dirty="0"/>
         </a:p>
       </dgm:t>
     </dgm:pt>
@@ -2603,7 +2523,7 @@
         <a:bodyPr/>
         <a:lstStyle/>
         <a:p>
-          <a:endParaRPr lang="es-419" sz="2000"/>
+          <a:endParaRPr lang="es-419" sz="1600"/>
         </a:p>
       </dgm:t>
     </dgm:pt>
@@ -2614,7 +2534,7 @@
         <a:bodyPr/>
         <a:lstStyle/>
         <a:p>
-          <a:endParaRPr lang="es-419" sz="2000"/>
+          <a:endParaRPr lang="es-419" sz="1600"/>
         </a:p>
       </dgm:t>
     </dgm:pt>
@@ -2625,15 +2545,39 @@
         <a:bodyPr/>
         <a:lstStyle/>
         <a:p>
+          <a:pPr algn="ctr">
+            <a:spcAft>
+              <a:spcPts val="0"/>
+            </a:spcAft>
+          </a:pPr>
           <a:r>
-            <a:rPr lang="es-ES" sz="1800" dirty="0"/>
-            <a:t>Monolitos – </a:t>
+            <a:rPr lang="es-ES" sz="1600" dirty="0"/>
+            <a:t>Arquitecturas</a:t>
+          </a:r>
+        </a:p>
+        <a:p>
+          <a:pPr algn="ctr">
+            <a:spcAft>
+              <a:spcPts val="0"/>
+            </a:spcAft>
+          </a:pPr>
+          <a:r>
+            <a:rPr lang="es-ES" sz="1600" dirty="0"/>
+            <a:t>Monolitos – SOA – </a:t>
           </a:r>
           <a:r>
-            <a:rPr lang="es-ES" sz="1800" dirty="0" err="1"/>
-            <a:t>Microlitos</a:t>
+            <a:rPr lang="es-ES" sz="1600" dirty="0" err="1"/>
+            <a:t>MicroServicios</a:t>
           </a:r>
-          <a:endParaRPr lang="es-419" sz="1800" dirty="0"/>
+          <a:r>
+            <a:rPr lang="es-ES" sz="1600" dirty="0"/>
+            <a:t> - DDD - Hexagonal (puertos y adaptadores) - </a:t>
+          </a:r>
+          <a:r>
+            <a:rPr lang="es-ES" sz="1600" dirty="0" err="1"/>
+            <a:t>Serverless</a:t>
+          </a:r>
+          <a:endParaRPr lang="es-ES" sz="1600" dirty="0"/>
         </a:p>
       </dgm:t>
     </dgm:pt>
@@ -2644,7 +2588,7 @@
         <a:bodyPr/>
         <a:lstStyle/>
         <a:p>
-          <a:endParaRPr lang="es-419" sz="2000"/>
+          <a:endParaRPr lang="es-419" sz="1600"/>
         </a:p>
       </dgm:t>
     </dgm:pt>
@@ -2655,7 +2599,7 @@
         <a:bodyPr/>
         <a:lstStyle/>
         <a:p>
-          <a:endParaRPr lang="es-419" sz="2000"/>
+          <a:endParaRPr lang="es-419" sz="1600"/>
         </a:p>
       </dgm:t>
     </dgm:pt>
@@ -2666,11 +2610,35 @@
         <a:bodyPr/>
         <a:lstStyle/>
         <a:p>
+          <a:pPr algn="ctr"/>
           <a:r>
-            <a:rPr lang="es-ES" sz="1800" dirty="0"/>
-            <a:t>DDD</a:t>
+            <a:rPr lang="es-ES" sz="1600" dirty="0"/>
+            <a:t>Arquitecturas Agenticas</a:t>
           </a:r>
-          <a:endParaRPr lang="es-419" sz="1800" dirty="0"/>
+        </a:p>
+        <a:p>
+          <a:pPr algn="ctr"/>
+          <a:r>
+            <a:rPr lang="es-419" sz="1600" dirty="0" err="1"/>
+            <a:t>Spec-Driven</a:t>
+          </a:r>
+          <a:r>
+            <a:rPr lang="es-419" sz="1600" dirty="0"/>
+            <a:t> </a:t>
+          </a:r>
+          <a:r>
+            <a:rPr lang="es-419" sz="1600" dirty="0" err="1"/>
+            <a:t>Development</a:t>
+          </a:r>
+          <a:r>
+            <a:rPr lang="es-419" sz="1600" dirty="0"/>
+            <a:t> (SDD)</a:t>
+          </a:r>
+          <a:r>
+            <a:rPr lang="es-ES" sz="1600" dirty="0"/>
+            <a:t> </a:t>
+          </a:r>
+          <a:endParaRPr lang="es-419" sz="1600" dirty="0"/>
         </a:p>
       </dgm:t>
     </dgm:pt>
@@ -2681,7 +2649,7 @@
         <a:bodyPr/>
         <a:lstStyle/>
         <a:p>
-          <a:endParaRPr lang="es-419" sz="2000"/>
+          <a:endParaRPr lang="es-419" sz="1600"/>
         </a:p>
       </dgm:t>
     </dgm:pt>
@@ -2692,44 +2660,7 @@
         <a:bodyPr/>
         <a:lstStyle/>
         <a:p>
-          <a:endParaRPr lang="es-419" sz="2000"/>
-        </a:p>
-      </dgm:t>
-    </dgm:pt>
-    <dgm:pt modelId="{E7F795D9-6A4A-41FA-94D6-7C5EA615305C}">
-      <dgm:prSet phldrT="[Texto]" custT="1"/>
-      <dgm:spPr/>
-      <dgm:t>
-        <a:bodyPr/>
-        <a:lstStyle/>
-        <a:p>
-          <a:r>
-            <a:rPr lang="es-ES" sz="1800"/>
-            <a:t>Proceso - Producto</a:t>
-          </a:r>
-          <a:endParaRPr lang="es-419" sz="1800" dirty="0"/>
-        </a:p>
-      </dgm:t>
-    </dgm:pt>
-    <dgm:pt modelId="{A07CA387-670B-4A4B-99AD-07DAF8999C93}" type="parTrans" cxnId="{4F5A2AD8-F93D-42B8-95B0-69988B9A1B45}">
-      <dgm:prSet/>
-      <dgm:spPr/>
-      <dgm:t>
-        <a:bodyPr/>
-        <a:lstStyle/>
-        <a:p>
-          <a:endParaRPr lang="es-419" sz="2000"/>
-        </a:p>
-      </dgm:t>
-    </dgm:pt>
-    <dgm:pt modelId="{7D012F5F-E7DD-4890-9FB8-A104B2E5026E}" type="sibTrans" cxnId="{4F5A2AD8-F93D-42B8-95B0-69988B9A1B45}">
-      <dgm:prSet/>
-      <dgm:spPr/>
-      <dgm:t>
-        <a:bodyPr/>
-        <a:lstStyle/>
-        <a:p>
-          <a:endParaRPr lang="es-419" sz="2000"/>
+          <a:endParaRPr lang="es-419" sz="1600"/>
         </a:p>
       </dgm:t>
     </dgm:pt>
@@ -2740,11 +2671,12 @@
         <a:bodyPr/>
         <a:lstStyle/>
         <a:p>
+          <a:pPr algn="ctr"/>
           <a:r>
-            <a:rPr lang="es-ES" sz="1800" dirty="0"/>
+            <a:rPr lang="es-ES" sz="1600" dirty="0"/>
             <a:t>Arquitectura Aplicaciones TOGAF</a:t>
           </a:r>
-          <a:endParaRPr lang="es-419" sz="1800" dirty="0"/>
+          <a:endParaRPr lang="es-419" sz="1600" dirty="0"/>
         </a:p>
       </dgm:t>
     </dgm:pt>
@@ -2755,7 +2687,7 @@
         <a:bodyPr/>
         <a:lstStyle/>
         <a:p>
-          <a:endParaRPr lang="es-419" sz="2000"/>
+          <a:endParaRPr lang="es-419" sz="1600"/>
         </a:p>
       </dgm:t>
     </dgm:pt>
@@ -2766,7 +2698,7 @@
         <a:bodyPr/>
         <a:lstStyle/>
         <a:p>
-          <a:endParaRPr lang="es-419" sz="2000"/>
+          <a:endParaRPr lang="es-419" sz="1600"/>
         </a:p>
       </dgm:t>
     </dgm:pt>
@@ -2780,7 +2712,7 @@
       <dgm:spPr/>
     </dgm:pt>
     <dgm:pt modelId="{25083EAB-8D5A-446F-833B-C38FB1478906}" type="pres">
-      <dgm:prSet presAssocID="{A82C2453-A133-48A3-987E-F73259FF257A}" presName="parentText" presStyleLbl="node1" presStyleIdx="0" presStyleCnt="9">
+      <dgm:prSet presAssocID="{A82C2453-A133-48A3-987E-F73259FF257A}" presName="parentText" presStyleLbl="node1" presStyleIdx="0" presStyleCnt="7">
         <dgm:presLayoutVars>
           <dgm:chMax val="0"/>
           <dgm:bulletEnabled val="1"/>
@@ -2793,7 +2725,7 @@
       <dgm:spPr/>
     </dgm:pt>
     <dgm:pt modelId="{DADB5CC4-4F55-483D-811D-5BFA777C0206}" type="pres">
-      <dgm:prSet presAssocID="{04357E79-6F4F-4C11-A747-6EABBAB3E396}" presName="parentText" presStyleLbl="node1" presStyleIdx="1" presStyleCnt="9">
+      <dgm:prSet presAssocID="{04357E79-6F4F-4C11-A747-6EABBAB3E396}" presName="parentText" presStyleLbl="node1" presStyleIdx="1" presStyleCnt="7">
         <dgm:presLayoutVars>
           <dgm:chMax val="0"/>
           <dgm:bulletEnabled val="1"/>
@@ -2806,7 +2738,7 @@
       <dgm:spPr/>
     </dgm:pt>
     <dgm:pt modelId="{2F4D07F5-BDBB-4274-89D5-4A68E56B4F76}" type="pres">
-      <dgm:prSet presAssocID="{11EA73F2-FBF9-4236-AF4A-B543B3525F94}" presName="parentText" presStyleLbl="node1" presStyleIdx="2" presStyleCnt="9">
+      <dgm:prSet presAssocID="{11EA73F2-FBF9-4236-AF4A-B543B3525F94}" presName="parentText" presStyleLbl="node1" presStyleIdx="2" presStyleCnt="7">
         <dgm:presLayoutVars>
           <dgm:chMax val="0"/>
           <dgm:bulletEnabled val="1"/>
@@ -2819,7 +2751,7 @@
       <dgm:spPr/>
     </dgm:pt>
     <dgm:pt modelId="{869A28C9-0603-4FF7-99B0-ED8F72710C8A}" type="pres">
-      <dgm:prSet presAssocID="{53123B04-2C2C-4CDE-A8F2-E28B3F522E92}" presName="parentText" presStyleLbl="node1" presStyleIdx="3" presStyleCnt="9">
+      <dgm:prSet presAssocID="{53123B04-2C2C-4CDE-A8F2-E28B3F522E92}" presName="parentText" presStyleLbl="node1" presStyleIdx="3" presStyleCnt="7" custLinFactNeighborY="3578">
         <dgm:presLayoutVars>
           <dgm:chMax val="0"/>
           <dgm:bulletEnabled val="1"/>
@@ -2835,34 +2767,8 @@
       </dgm:prSet>
       <dgm:spPr/>
     </dgm:pt>
-    <dgm:pt modelId="{B0D04FAC-DFE1-44AF-BAD0-81A5EE118757}" type="pres">
-      <dgm:prSet presAssocID="{E7F795D9-6A4A-41FA-94D6-7C5EA615305C}" presName="parentText" presStyleLbl="node1" presStyleIdx="4" presStyleCnt="9">
-        <dgm:presLayoutVars>
-          <dgm:chMax val="0"/>
-          <dgm:bulletEnabled val="1"/>
-        </dgm:presLayoutVars>
-      </dgm:prSet>
-      <dgm:spPr/>
-    </dgm:pt>
-    <dgm:pt modelId="{727BA957-7CD3-4229-AA68-D9B5BE5E8D83}" type="pres">
-      <dgm:prSet presAssocID="{7D012F5F-E7DD-4890-9FB8-A104B2E5026E}" presName="spacer" presStyleCnt="0"/>
-      <dgm:spPr/>
-    </dgm:pt>
-    <dgm:pt modelId="{92722FD8-C4A9-4ED5-9441-E4EA9B875C21}" type="pres">
-      <dgm:prSet presAssocID="{20AB106D-83B7-43BF-90F4-BBFA72F3B00F}" presName="parentText" presStyleLbl="node1" presStyleIdx="5" presStyleCnt="9">
-        <dgm:presLayoutVars>
-          <dgm:chMax val="0"/>
-          <dgm:bulletEnabled val="1"/>
-        </dgm:presLayoutVars>
-      </dgm:prSet>
-      <dgm:spPr/>
-    </dgm:pt>
-    <dgm:pt modelId="{A803D120-C56D-4CC7-BD51-389799869179}" type="pres">
-      <dgm:prSet presAssocID="{EDD4E755-4632-4D2C-AEAA-B657419A3475}" presName="spacer" presStyleCnt="0"/>
-      <dgm:spPr/>
-    </dgm:pt>
     <dgm:pt modelId="{9105B5D0-D0A4-4882-B1B3-7F8FB7D63E78}" type="pres">
-      <dgm:prSet presAssocID="{090662EF-F9F9-4E8E-B1BA-B77A7F31AD5F}" presName="parentText" presStyleLbl="node1" presStyleIdx="6" presStyleCnt="9">
+      <dgm:prSet presAssocID="{090662EF-F9F9-4E8E-B1BA-B77A7F31AD5F}" presName="parentText" presStyleLbl="node1" presStyleIdx="4" presStyleCnt="7" custScaleY="118162" custLinFactNeighborY="-31462">
         <dgm:presLayoutVars>
           <dgm:chMax val="0"/>
           <dgm:bulletEnabled val="1"/>
@@ -2875,7 +2781,7 @@
       <dgm:spPr/>
     </dgm:pt>
     <dgm:pt modelId="{A06EF008-76DC-4523-97B8-CCB0E834327F}" type="pres">
-      <dgm:prSet presAssocID="{0A969DF2-2FFC-4164-BE8D-1A138AF5F36D}" presName="parentText" presStyleLbl="node1" presStyleIdx="7" presStyleCnt="9">
+      <dgm:prSet presAssocID="{0A969DF2-2FFC-4164-BE8D-1A138AF5F36D}" presName="parentText" presStyleLbl="node1" presStyleIdx="5" presStyleCnt="7">
         <dgm:presLayoutVars>
           <dgm:chMax val="0"/>
           <dgm:bulletEnabled val="1"/>
@@ -2888,7 +2794,7 @@
       <dgm:spPr/>
     </dgm:pt>
     <dgm:pt modelId="{47E65D26-5D15-4ADD-B5B4-95521DEBC97A}" type="pres">
-      <dgm:prSet presAssocID="{050CB9F7-42E2-4F7D-BD2D-B8DD2A5DA998}" presName="parentText" presStyleLbl="node1" presStyleIdx="8" presStyleCnt="9">
+      <dgm:prSet presAssocID="{050CB9F7-42E2-4F7D-BD2D-B8DD2A5DA998}" presName="parentText" presStyleLbl="node1" presStyleIdx="6" presStyleCnt="7">
         <dgm:presLayoutVars>
           <dgm:chMax val="0"/>
           <dgm:bulletEnabled val="1"/>
@@ -2900,28 +2806,20 @@
   <dgm:cxnLst>
     <dgm:cxn modelId="{1913C817-AD9A-4FFB-A872-E5A8BF73C610}" srcId="{ED92B357-DD12-42C2-9443-538D6EDAEB9D}" destId="{04357E79-6F4F-4C11-A747-6EABBAB3E396}" srcOrd="1" destOrd="0" parTransId="{88C6B662-4EEA-4BA7-B2A7-587FD816DF11}" sibTransId="{145F13EB-98C7-4FDF-9B19-9C64B839889C}"/>
     <dgm:cxn modelId="{C1593119-520A-4274-A2DB-2AB17F48F3F4}" type="presOf" srcId="{11EA73F2-FBF9-4236-AF4A-B543B3525F94}" destId="{2F4D07F5-BDBB-4274-89D5-4A68E56B4F76}" srcOrd="0" destOrd="0" presId="urn:microsoft.com/office/officeart/2005/8/layout/vList2"/>
-    <dgm:cxn modelId="{5C359920-ECCB-4FF8-BAFE-9D4A5867A309}" srcId="{ED92B357-DD12-42C2-9443-538D6EDAEB9D}" destId="{050CB9F7-42E2-4F7D-BD2D-B8DD2A5DA998}" srcOrd="8" destOrd="0" parTransId="{F52095B3-606A-457D-97CE-EE12873B97C2}" sibTransId="{5CB79C1A-4355-4896-B587-444CCB30E776}"/>
+    <dgm:cxn modelId="{5C359920-ECCB-4FF8-BAFE-9D4A5867A309}" srcId="{ED92B357-DD12-42C2-9443-538D6EDAEB9D}" destId="{050CB9F7-42E2-4F7D-BD2D-B8DD2A5DA998}" srcOrd="6" destOrd="0" parTransId="{F52095B3-606A-457D-97CE-EE12873B97C2}" sibTransId="{5CB79C1A-4355-4896-B587-444CCB30E776}"/>
     <dgm:cxn modelId="{83027026-F3B4-4B71-AB44-52B4CA83CA4B}" srcId="{ED92B357-DD12-42C2-9443-538D6EDAEB9D}" destId="{11EA73F2-FBF9-4236-AF4A-B543B3525F94}" srcOrd="2" destOrd="0" parTransId="{1AB1F292-E88E-417A-ACC4-735F7F2388DB}" sibTransId="{9721AD0C-BCCC-4918-A2E2-7EFEB356FECC}"/>
-    <dgm:cxn modelId="{2150C62B-0C46-4E12-AD7C-379C06EF91AA}" type="presOf" srcId="{A7850F8C-D673-4AC1-9038-5D0D5FFCC51C}" destId="{26E24DDE-E23E-48B1-AF66-C64D64F3041C}" srcOrd="0" destOrd="2" presId="urn:microsoft.com/office/officeart/2005/8/layout/vList2"/>
     <dgm:cxn modelId="{3378C333-5BA6-4E66-B08D-204E3C552307}" type="presOf" srcId="{0A969DF2-2FFC-4164-BE8D-1A138AF5F36D}" destId="{A06EF008-76DC-4523-97B8-CCB0E834327F}" srcOrd="0" destOrd="0" presId="urn:microsoft.com/office/officeart/2005/8/layout/vList2"/>
     <dgm:cxn modelId="{901F713C-BFEF-4F51-BA3E-FA010C0667B9}" type="presOf" srcId="{A82C2453-A133-48A3-987E-F73259FF257A}" destId="{25083EAB-8D5A-446F-833B-C38FB1478906}" srcOrd="0" destOrd="0" presId="urn:microsoft.com/office/officeart/2005/8/layout/vList2"/>
     <dgm:cxn modelId="{7E3AD660-A3AE-4D46-84B5-9B3ABC3506B7}" type="presOf" srcId="{090662EF-F9F9-4E8E-B1BA-B77A7F31AD5F}" destId="{9105B5D0-D0A4-4882-B1B3-7F8FB7D63E78}" srcOrd="0" destOrd="0" presId="urn:microsoft.com/office/officeart/2005/8/layout/vList2"/>
-    <dgm:cxn modelId="{9E167C61-8487-4DA8-BA4F-1DF79809D12A}" type="presOf" srcId="{E7F795D9-6A4A-41FA-94D6-7C5EA615305C}" destId="{B0D04FAC-DFE1-44AF-BAD0-81A5EE118757}" srcOrd="0" destOrd="0" presId="urn:microsoft.com/office/officeart/2005/8/layout/vList2"/>
-    <dgm:cxn modelId="{71DFD041-ACC9-403D-98AE-0269734F4118}" type="presOf" srcId="{8589BB71-2394-4CA2-8BA1-08B6C6BCC0B6}" destId="{26E24DDE-E23E-48B1-AF66-C64D64F3041C}" srcOrd="0" destOrd="1" presId="urn:microsoft.com/office/officeart/2005/8/layout/vList2"/>
     <dgm:cxn modelId="{D9B79B45-0E47-4831-92B1-E3D22B4B3B3D}" srcId="{53123B04-2C2C-4CDE-A8F2-E28B3F522E92}" destId="{76A6CDBC-D830-48C0-BC80-DC4F99465186}" srcOrd="0" destOrd="0" parTransId="{91C9A91B-B8C3-4833-BC40-43BDB005F035}" sibTransId="{72C6F2CD-F69C-48E5-A085-AB583919BA56}"/>
     <dgm:cxn modelId="{901BBF71-FDD1-4076-8AE9-5D2FE52DD1E1}" type="presOf" srcId="{ED92B357-DD12-42C2-9443-538D6EDAEB9D}" destId="{2D38522B-159C-442F-8711-7BA040D7E34E}" srcOrd="0" destOrd="0" presId="urn:microsoft.com/office/officeart/2005/8/layout/vList2"/>
     <dgm:cxn modelId="{2E33FF79-248A-49D0-81A1-ABDB7D927D03}" type="presOf" srcId="{53123B04-2C2C-4CDE-A8F2-E28B3F522E92}" destId="{869A28C9-0603-4FF7-99B0-ED8F72710C8A}" srcOrd="0" destOrd="0" presId="urn:microsoft.com/office/officeart/2005/8/layout/vList2"/>
-    <dgm:cxn modelId="{2CAC218C-DC65-47B2-A517-B4016A9519A7}" srcId="{ED92B357-DD12-42C2-9443-538D6EDAEB9D}" destId="{090662EF-F9F9-4E8E-B1BA-B77A7F31AD5F}" srcOrd="6" destOrd="0" parTransId="{6A919D91-E8E8-4282-8E59-E04B23FE06DE}" sibTransId="{3DD26661-3F94-4D46-91E5-70E75BB9DF55}"/>
-    <dgm:cxn modelId="{43EE428F-44C5-44D3-AFCF-ADD5665BF3AE}" srcId="{53123B04-2C2C-4CDE-A8F2-E28B3F522E92}" destId="{8589BB71-2394-4CA2-8BA1-08B6C6BCC0B6}" srcOrd="1" destOrd="0" parTransId="{7AE3F086-9EEF-4F97-A7EB-F661DD6F08A2}" sibTransId="{3A1B62A9-6B36-4EB3-AE4E-99861CBE5AEF}"/>
+    <dgm:cxn modelId="{2CAC218C-DC65-47B2-A517-B4016A9519A7}" srcId="{ED92B357-DD12-42C2-9443-538D6EDAEB9D}" destId="{090662EF-F9F9-4E8E-B1BA-B77A7F31AD5F}" srcOrd="4" destOrd="0" parTransId="{6A919D91-E8E8-4282-8E59-E04B23FE06DE}" sibTransId="{3DD26661-3F94-4D46-91E5-70E75BB9DF55}"/>
     <dgm:cxn modelId="{454BB79B-8909-4B7E-A21A-2297B7F8E276}" type="presOf" srcId="{76A6CDBC-D830-48C0-BC80-DC4F99465186}" destId="{26E24DDE-E23E-48B1-AF66-C64D64F3041C}" srcOrd="0" destOrd="0" presId="urn:microsoft.com/office/officeart/2005/8/layout/vList2"/>
-    <dgm:cxn modelId="{BE17D8B3-8838-40D4-8C90-0424EFAB1423}" srcId="{ED92B357-DD12-42C2-9443-538D6EDAEB9D}" destId="{20AB106D-83B7-43BF-90F4-BBFA72F3B00F}" srcOrd="5" destOrd="0" parTransId="{1D601B9E-ACA5-4EB8-ADD1-76C915C9ED2B}" sibTransId="{EDD4E755-4632-4D2C-AEAA-B657419A3475}"/>
-    <dgm:cxn modelId="{4800B1BA-3B00-4F8F-AD24-7C153CC31CB8}" srcId="{53123B04-2C2C-4CDE-A8F2-E28B3F522E92}" destId="{A7850F8C-D673-4AC1-9038-5D0D5FFCC51C}" srcOrd="2" destOrd="0" parTransId="{69AE17D0-CE0B-47C3-B876-D7D021391951}" sibTransId="{F18AF561-31D8-427B-8487-6135780E287D}"/>
-    <dgm:cxn modelId="{C8C243BE-8323-4795-8352-789F5D21B481}" srcId="{ED92B357-DD12-42C2-9443-538D6EDAEB9D}" destId="{0A969DF2-2FFC-4164-BE8D-1A138AF5F36D}" srcOrd="7" destOrd="0" parTransId="{7AAA771E-E215-4FD8-89D6-089C6999239D}" sibTransId="{31D7C9FD-58EF-4033-900F-F9F0387A73D3}"/>
-    <dgm:cxn modelId="{4F5A2AD8-F93D-42B8-95B0-69988B9A1B45}" srcId="{ED92B357-DD12-42C2-9443-538D6EDAEB9D}" destId="{E7F795D9-6A4A-41FA-94D6-7C5EA615305C}" srcOrd="4" destOrd="0" parTransId="{A07CA387-670B-4A4B-99AD-07DAF8999C93}" sibTransId="{7D012F5F-E7DD-4890-9FB8-A104B2E5026E}"/>
+    <dgm:cxn modelId="{C8C243BE-8323-4795-8352-789F5D21B481}" srcId="{ED92B357-DD12-42C2-9443-538D6EDAEB9D}" destId="{0A969DF2-2FFC-4164-BE8D-1A138AF5F36D}" srcOrd="5" destOrd="0" parTransId="{7AAA771E-E215-4FD8-89D6-089C6999239D}" sibTransId="{31D7C9FD-58EF-4033-900F-F9F0387A73D3}"/>
     <dgm:cxn modelId="{B8A03FD9-34CE-43A3-B855-8E2D97336D0D}" type="presOf" srcId="{050CB9F7-42E2-4F7D-BD2D-B8DD2A5DA998}" destId="{47E65D26-5D15-4ADD-B5B4-95521DEBC97A}" srcOrd="0" destOrd="0" presId="urn:microsoft.com/office/officeart/2005/8/layout/vList2"/>
     <dgm:cxn modelId="{6B48E9E4-913A-4E9E-B227-D800C38D42A0}" srcId="{ED92B357-DD12-42C2-9443-538D6EDAEB9D}" destId="{A82C2453-A133-48A3-987E-F73259FF257A}" srcOrd="0" destOrd="0" parTransId="{866A0698-FC04-43AC-BC87-3A9B6DB459C7}" sibTransId="{9FB31EF5-C6A0-4848-8088-48461AF3F487}"/>
     <dgm:cxn modelId="{7F393DE8-5429-4C4F-AFA7-A43082D8EFAF}" type="presOf" srcId="{04357E79-6F4F-4C11-A747-6EABBAB3E396}" destId="{DADB5CC4-4F55-483D-811D-5BFA777C0206}" srcOrd="0" destOrd="0" presId="urn:microsoft.com/office/officeart/2005/8/layout/vList2"/>
-    <dgm:cxn modelId="{467B09E9-BBC2-4B60-BFA5-EF7445E9AF73}" type="presOf" srcId="{20AB106D-83B7-43BF-90F4-BBFA72F3B00F}" destId="{92722FD8-C4A9-4ED5-9441-E4EA9B875C21}" srcOrd="0" destOrd="0" presId="urn:microsoft.com/office/officeart/2005/8/layout/vList2"/>
     <dgm:cxn modelId="{93D94AFE-07AF-411C-B30D-6E5A223E722F}" srcId="{ED92B357-DD12-42C2-9443-538D6EDAEB9D}" destId="{53123B04-2C2C-4CDE-A8F2-E28B3F522E92}" srcOrd="3" destOrd="0" parTransId="{6469C22C-72DC-4E77-94AA-0C83DE83DA88}" sibTransId="{37DE90D8-34AD-4AA9-8AEB-856BEBFEDB7A}"/>
     <dgm:cxn modelId="{E0E369EE-D747-4643-AE8D-04404ECB1A7F}" type="presParOf" srcId="{2D38522B-159C-442F-8711-7BA040D7E34E}" destId="{25083EAB-8D5A-446F-833B-C38FB1478906}" srcOrd="0" destOrd="0" presId="urn:microsoft.com/office/officeart/2005/8/layout/vList2"/>
     <dgm:cxn modelId="{CA37E19A-786B-4A28-BC4B-416AFA691170}" type="presParOf" srcId="{2D38522B-159C-442F-8711-7BA040D7E34E}" destId="{6258FF25-8EC1-4513-85D1-B7490C7AAB3E}" srcOrd="1" destOrd="0" presId="urn:microsoft.com/office/officeart/2005/8/layout/vList2"/>
@@ -2931,21 +2829,17 @@
     <dgm:cxn modelId="{EA745575-273E-4F99-BE5E-694C4EE6C33B}" type="presParOf" srcId="{2D38522B-159C-442F-8711-7BA040D7E34E}" destId="{87D42189-F487-418C-B6E7-6A1DEEF9F09D}" srcOrd="5" destOrd="0" presId="urn:microsoft.com/office/officeart/2005/8/layout/vList2"/>
     <dgm:cxn modelId="{DE8E5FD3-0FF9-47BC-A793-1A091FF6A52E}" type="presParOf" srcId="{2D38522B-159C-442F-8711-7BA040D7E34E}" destId="{869A28C9-0603-4FF7-99B0-ED8F72710C8A}" srcOrd="6" destOrd="0" presId="urn:microsoft.com/office/officeart/2005/8/layout/vList2"/>
     <dgm:cxn modelId="{A83B0BFF-F8A2-4746-B515-A733214F434B}" type="presParOf" srcId="{2D38522B-159C-442F-8711-7BA040D7E34E}" destId="{26E24DDE-E23E-48B1-AF66-C64D64F3041C}" srcOrd="7" destOrd="0" presId="urn:microsoft.com/office/officeart/2005/8/layout/vList2"/>
-    <dgm:cxn modelId="{423009D1-C2CA-473E-B9DB-FCA8F58EE773}" type="presParOf" srcId="{2D38522B-159C-442F-8711-7BA040D7E34E}" destId="{B0D04FAC-DFE1-44AF-BAD0-81A5EE118757}" srcOrd="8" destOrd="0" presId="urn:microsoft.com/office/officeart/2005/8/layout/vList2"/>
-    <dgm:cxn modelId="{3461C6F5-E879-4FF0-B767-3AD7775DE000}" type="presParOf" srcId="{2D38522B-159C-442F-8711-7BA040D7E34E}" destId="{727BA957-7CD3-4229-AA68-D9B5BE5E8D83}" srcOrd="9" destOrd="0" presId="urn:microsoft.com/office/officeart/2005/8/layout/vList2"/>
-    <dgm:cxn modelId="{9B553F4A-FC0A-44CE-B43F-A14B49740419}" type="presParOf" srcId="{2D38522B-159C-442F-8711-7BA040D7E34E}" destId="{92722FD8-C4A9-4ED5-9441-E4EA9B875C21}" srcOrd="10" destOrd="0" presId="urn:microsoft.com/office/officeart/2005/8/layout/vList2"/>
-    <dgm:cxn modelId="{89195EF7-16B1-46CD-B29C-C96FC2EEEB04}" type="presParOf" srcId="{2D38522B-159C-442F-8711-7BA040D7E34E}" destId="{A803D120-C56D-4CC7-BD51-389799869179}" srcOrd="11" destOrd="0" presId="urn:microsoft.com/office/officeart/2005/8/layout/vList2"/>
-    <dgm:cxn modelId="{D1967AA3-1807-4F70-A905-00D894A8C9DC}" type="presParOf" srcId="{2D38522B-159C-442F-8711-7BA040D7E34E}" destId="{9105B5D0-D0A4-4882-B1B3-7F8FB7D63E78}" srcOrd="12" destOrd="0" presId="urn:microsoft.com/office/officeart/2005/8/layout/vList2"/>
-    <dgm:cxn modelId="{1F8A756C-478C-4601-B8FB-18D3B0385BA3}" type="presParOf" srcId="{2D38522B-159C-442F-8711-7BA040D7E34E}" destId="{2B15F788-7D92-4CE4-A98E-A86B066CFC81}" srcOrd="13" destOrd="0" presId="urn:microsoft.com/office/officeart/2005/8/layout/vList2"/>
-    <dgm:cxn modelId="{27F4212E-4DCE-4EB8-81AC-D424EA667741}" type="presParOf" srcId="{2D38522B-159C-442F-8711-7BA040D7E34E}" destId="{A06EF008-76DC-4523-97B8-CCB0E834327F}" srcOrd="14" destOrd="0" presId="urn:microsoft.com/office/officeart/2005/8/layout/vList2"/>
-    <dgm:cxn modelId="{955C1ECE-5544-4100-B5FF-3542D5844DF4}" type="presParOf" srcId="{2D38522B-159C-442F-8711-7BA040D7E34E}" destId="{EB18FDDE-A86F-411C-9824-AAB5C33FAA52}" srcOrd="15" destOrd="0" presId="urn:microsoft.com/office/officeart/2005/8/layout/vList2"/>
-    <dgm:cxn modelId="{B6112195-ADBE-4D5C-B902-69C5DD88504B}" type="presParOf" srcId="{2D38522B-159C-442F-8711-7BA040D7E34E}" destId="{47E65D26-5D15-4ADD-B5B4-95521DEBC97A}" srcOrd="16" destOrd="0" presId="urn:microsoft.com/office/officeart/2005/8/layout/vList2"/>
+    <dgm:cxn modelId="{D1967AA3-1807-4F70-A905-00D894A8C9DC}" type="presParOf" srcId="{2D38522B-159C-442F-8711-7BA040D7E34E}" destId="{9105B5D0-D0A4-4882-B1B3-7F8FB7D63E78}" srcOrd="8" destOrd="0" presId="urn:microsoft.com/office/officeart/2005/8/layout/vList2"/>
+    <dgm:cxn modelId="{1F8A756C-478C-4601-B8FB-18D3B0385BA3}" type="presParOf" srcId="{2D38522B-159C-442F-8711-7BA040D7E34E}" destId="{2B15F788-7D92-4CE4-A98E-A86B066CFC81}" srcOrd="9" destOrd="0" presId="urn:microsoft.com/office/officeart/2005/8/layout/vList2"/>
+    <dgm:cxn modelId="{27F4212E-4DCE-4EB8-81AC-D424EA667741}" type="presParOf" srcId="{2D38522B-159C-442F-8711-7BA040D7E34E}" destId="{A06EF008-76DC-4523-97B8-CCB0E834327F}" srcOrd="10" destOrd="0" presId="urn:microsoft.com/office/officeart/2005/8/layout/vList2"/>
+    <dgm:cxn modelId="{955C1ECE-5544-4100-B5FF-3542D5844DF4}" type="presParOf" srcId="{2D38522B-159C-442F-8711-7BA040D7E34E}" destId="{EB18FDDE-A86F-411C-9824-AAB5C33FAA52}" srcOrd="11" destOrd="0" presId="urn:microsoft.com/office/officeart/2005/8/layout/vList2"/>
+    <dgm:cxn modelId="{B6112195-ADBE-4D5C-B902-69C5DD88504B}" type="presParOf" srcId="{2D38522B-159C-442F-8711-7BA040D7E34E}" destId="{47E65D26-5D15-4ADD-B5B4-95521DEBC97A}" srcOrd="12" destOrd="0" presId="urn:microsoft.com/office/officeart/2005/8/layout/vList2"/>
   </dgm:cxnLst>
   <dgm:bg/>
   <dgm:whole/>
   <dgm:extLst>
     <a:ext uri="http://schemas.microsoft.com/office/drawing/2008/diagram">
-      <dsp:dataModelExt xmlns:dsp="http://schemas.microsoft.com/office/drawing/2008/diagram" relId="rId8" minVer="http://schemas.openxmlformats.org/drawingml/2006/diagram"/>
+      <dsp:dataModelExt xmlns:dsp="http://schemas.microsoft.com/office/drawing/2008/diagram" relId="rId9" minVer="http://schemas.openxmlformats.org/drawingml/2006/diagram"/>
     </a:ext>
   </dgm:extLst>
 </dgm:dataModel>
@@ -3035,7 +2929,7 @@
         <a:p>
           <a:r>
             <a:rPr lang="es-ES" dirty="0"/>
-            <a:t>Semana 5</a:t>
+            <a:t>Semana 4</a:t>
           </a:r>
         </a:p>
         <a:p>
@@ -3084,7 +2978,7 @@
         <a:p>
           <a:r>
             <a:rPr lang="es-ES" dirty="0"/>
-            <a:t>Semana 10</a:t>
+            <a:t>Semana 8</a:t>
           </a:r>
         </a:p>
         <a:p>
@@ -3181,7 +3075,7 @@
         <a:p>
           <a:r>
             <a:rPr lang="es-ES" dirty="0"/>
-            <a:t>Prototipo de Software</a:t>
+            <a:t>Aplicación Arquitecturas para Desarrollo de una Aplicación</a:t>
           </a:r>
           <a:endParaRPr lang="es-419" dirty="0"/>
         </a:p>
@@ -3327,7 +3221,7 @@
   <dgm:whole/>
   <dgm:extLst>
     <a:ext uri="http://schemas.microsoft.com/office/drawing/2008/diagram">
-      <dsp:dataModelExt xmlns:dsp="http://schemas.microsoft.com/office/drawing/2008/diagram" relId="rId13" minVer="http://schemas.openxmlformats.org/drawingml/2006/diagram"/>
+      <dsp:dataModelExt xmlns:dsp="http://schemas.microsoft.com/office/drawing/2008/diagram" relId="rId14" minVer="http://schemas.openxmlformats.org/drawingml/2006/diagram"/>
     </a:ext>
   </dgm:extLst>
 </dgm:dataModel>
@@ -3348,8 +3242,8 @@
       </dsp:nvSpPr>
       <dsp:spPr>
         <a:xfrm>
-          <a:off x="0" y="2744"/>
-          <a:ext cx="4855408" cy="477760"/>
+          <a:off x="0" y="389322"/>
+          <a:ext cx="4855408" cy="593896"/>
         </a:xfrm>
         <a:prstGeom prst="roundRect">
           <a:avLst/>
@@ -3391,12 +3285,12 @@
         </a:fontRef>
       </dsp:style>
       <dsp:txBody>
-        <a:bodyPr spcFirstLastPara="0" vert="horz" wrap="square" lIns="68580" tIns="68580" rIns="68580" bIns="68580" numCol="1" spcCol="1270" anchor="ctr" anchorCtr="0">
+        <a:bodyPr spcFirstLastPara="0" vert="horz" wrap="square" lIns="60960" tIns="60960" rIns="60960" bIns="60960" numCol="1" spcCol="1270" anchor="ctr" anchorCtr="0">
           <a:noAutofit/>
         </a:bodyPr>
         <a:lstStyle/>
         <a:p>
-          <a:pPr marL="0" lvl="0" indent="0" algn="l" defTabSz="800100">
+          <a:pPr marL="0" lvl="0" indent="0" algn="ctr" defTabSz="711200">
             <a:lnSpc>
               <a:spcPct val="90000"/>
             </a:lnSpc>
@@ -3409,15 +3303,15 @@
             <a:buNone/>
           </a:pPr>
           <a:r>
-            <a:rPr lang="es-ES" sz="1800" kern="1200" dirty="0"/>
+            <a:rPr lang="es-ES" sz="1600" kern="1200" dirty="0"/>
             <a:t>Repaso Paradigmas</a:t>
           </a:r>
-          <a:endParaRPr lang="es-419" sz="1800" kern="1200" dirty="0"/>
+          <a:endParaRPr lang="es-419" sz="1600" kern="1200" dirty="0"/>
         </a:p>
       </dsp:txBody>
       <dsp:txXfrm>
-        <a:off x="23322" y="26066"/>
-        <a:ext cx="4808764" cy="431116"/>
+        <a:off x="28992" y="418314"/>
+        <a:ext cx="4797424" cy="535912"/>
       </dsp:txXfrm>
     </dsp:sp>
     <dsp:sp modelId="{DADB5CC4-4F55-483D-811D-5BFA777C0206}">
@@ -3427,17 +3321,17 @@
       </dsp:nvSpPr>
       <dsp:spPr>
         <a:xfrm>
-          <a:off x="0" y="490100"/>
-          <a:ext cx="4855408" cy="477760"/>
+          <a:off x="0" y="994623"/>
+          <a:ext cx="4855408" cy="593896"/>
         </a:xfrm>
         <a:prstGeom prst="roundRect">
           <a:avLst/>
         </a:prstGeom>
         <a:solidFill>
           <a:schemeClr val="accent5">
-            <a:hueOff val="-919168"/>
-            <a:satOff val="-1278"/>
-            <a:lumOff val="-490"/>
+            <a:hueOff val="-1225557"/>
+            <a:satOff val="-1705"/>
+            <a:lumOff val="-654"/>
             <a:alphaOff val="0"/>
           </a:schemeClr>
         </a:solidFill>
@@ -3470,12 +3364,12 @@
         </a:fontRef>
       </dsp:style>
       <dsp:txBody>
-        <a:bodyPr spcFirstLastPara="0" vert="horz" wrap="square" lIns="68580" tIns="68580" rIns="68580" bIns="68580" numCol="1" spcCol="1270" anchor="ctr" anchorCtr="0">
+        <a:bodyPr spcFirstLastPara="0" vert="horz" wrap="square" lIns="60960" tIns="60960" rIns="60960" bIns="60960" numCol="1" spcCol="1270" anchor="ctr" anchorCtr="0">
           <a:noAutofit/>
         </a:bodyPr>
         <a:lstStyle/>
         <a:p>
-          <a:pPr marL="0" lvl="0" indent="0" algn="l" defTabSz="800100">
+          <a:pPr marL="0" lvl="0" indent="0" algn="ctr" defTabSz="711200">
             <a:lnSpc>
               <a:spcPct val="90000"/>
             </a:lnSpc>
@@ -3488,15 +3382,15 @@
             <a:buNone/>
           </a:pPr>
           <a:r>
-            <a:rPr lang="es-ES" sz="1800" kern="1200" dirty="0"/>
+            <a:rPr lang="es-ES" sz="1600" kern="1200" dirty="0"/>
             <a:t>Introducción Arquitectura de Software</a:t>
           </a:r>
-          <a:endParaRPr lang="es-419" sz="1800" kern="1200" dirty="0"/>
+          <a:endParaRPr lang="es-419" sz="1600" kern="1200" dirty="0"/>
         </a:p>
       </dsp:txBody>
       <dsp:txXfrm>
-        <a:off x="23322" y="513422"/>
-        <a:ext cx="4808764" cy="431116"/>
+        <a:off x="28992" y="1023615"/>
+        <a:ext cx="4797424" cy="535912"/>
       </dsp:txXfrm>
     </dsp:sp>
     <dsp:sp modelId="{2F4D07F5-BDBB-4274-89D5-4A68E56B4F76}">
@@ -3506,17 +3400,17 @@
       </dsp:nvSpPr>
       <dsp:spPr>
         <a:xfrm>
-          <a:off x="0" y="977455"/>
-          <a:ext cx="4855408" cy="477760"/>
+          <a:off x="0" y="1599925"/>
+          <a:ext cx="4855408" cy="593896"/>
         </a:xfrm>
         <a:prstGeom prst="roundRect">
           <a:avLst/>
         </a:prstGeom>
         <a:solidFill>
           <a:schemeClr val="accent5">
-            <a:hueOff val="-1838336"/>
-            <a:satOff val="-2557"/>
-            <a:lumOff val="-981"/>
+            <a:hueOff val="-2451115"/>
+            <a:satOff val="-3409"/>
+            <a:lumOff val="-1307"/>
             <a:alphaOff val="0"/>
           </a:schemeClr>
         </a:solidFill>
@@ -3549,12 +3443,12 @@
         </a:fontRef>
       </dsp:style>
       <dsp:txBody>
-        <a:bodyPr spcFirstLastPara="0" vert="horz" wrap="square" lIns="68580" tIns="68580" rIns="68580" bIns="68580" numCol="1" spcCol="1270" anchor="ctr" anchorCtr="0">
+        <a:bodyPr spcFirstLastPara="0" vert="horz" wrap="square" lIns="60960" tIns="60960" rIns="60960" bIns="60960" numCol="1" spcCol="1270" anchor="ctr" anchorCtr="0">
           <a:noAutofit/>
         </a:bodyPr>
         <a:lstStyle/>
         <a:p>
-          <a:pPr marL="0" lvl="0" indent="0" algn="l" defTabSz="800100">
+          <a:pPr marL="0" lvl="0" indent="0" algn="ctr" defTabSz="711200">
             <a:lnSpc>
               <a:spcPct val="90000"/>
             </a:lnSpc>
@@ -3567,15 +3461,15 @@
             <a:buNone/>
           </a:pPr>
           <a:r>
-            <a:rPr lang="es-ES" sz="1800" kern="1200" dirty="0"/>
-            <a:t>Principios SOLID Teoría - Implementación</a:t>
+            <a:rPr lang="es-ES" sz="1600" kern="1200" dirty="0"/>
+            <a:t>Principios SOLID</a:t>
           </a:r>
-          <a:endParaRPr lang="es-419" sz="1800" kern="1200" dirty="0"/>
+          <a:endParaRPr lang="es-419" sz="1600" kern="1200" dirty="0"/>
         </a:p>
       </dsp:txBody>
       <dsp:txXfrm>
-        <a:off x="23322" y="1000777"/>
-        <a:ext cx="4808764" cy="431116"/>
+        <a:off x="28992" y="1628917"/>
+        <a:ext cx="4797424" cy="535912"/>
       </dsp:txXfrm>
     </dsp:sp>
     <dsp:sp modelId="{869A28C9-0603-4FF7-99B0-ED8F72710C8A}">
@@ -3585,186 +3479,8 @@
       </dsp:nvSpPr>
       <dsp:spPr>
         <a:xfrm>
-          <a:off x="0" y="1464811"/>
-          <a:ext cx="4855408" cy="477760"/>
-        </a:xfrm>
-        <a:prstGeom prst="roundRect">
-          <a:avLst/>
-        </a:prstGeom>
-        <a:solidFill>
-          <a:schemeClr val="accent5">
-            <a:hueOff val="-2757504"/>
-            <a:satOff val="-3835"/>
-            <a:lumOff val="-1471"/>
-            <a:alphaOff val="0"/>
-          </a:schemeClr>
-        </a:solidFill>
-        <a:ln w="12700" cap="flat" cmpd="sng" algn="ctr">
-          <a:solidFill>
-            <a:schemeClr val="lt1">
-              <a:hueOff val="0"/>
-              <a:satOff val="0"/>
-              <a:lumOff val="0"/>
-              <a:alphaOff val="0"/>
-            </a:schemeClr>
-          </a:solidFill>
-          <a:prstDash val="solid"/>
-          <a:miter lim="800000"/>
-        </a:ln>
-        <a:effectLst/>
-      </dsp:spPr>
-      <dsp:style>
-        <a:lnRef idx="2">
-          <a:scrgbClr r="0" g="0" b="0"/>
-        </a:lnRef>
-        <a:fillRef idx="1">
-          <a:scrgbClr r="0" g="0" b="0"/>
-        </a:fillRef>
-        <a:effectRef idx="0">
-          <a:scrgbClr r="0" g="0" b="0"/>
-        </a:effectRef>
-        <a:fontRef idx="minor">
-          <a:schemeClr val="lt1"/>
-        </a:fontRef>
-      </dsp:style>
-      <dsp:txBody>
-        <a:bodyPr spcFirstLastPara="0" vert="horz" wrap="square" lIns="68580" tIns="68580" rIns="68580" bIns="68580" numCol="1" spcCol="1270" anchor="ctr" anchorCtr="0">
-          <a:noAutofit/>
-        </a:bodyPr>
-        <a:lstStyle/>
-        <a:p>
-          <a:pPr marL="0" lvl="0" indent="0" algn="l" defTabSz="800100">
-            <a:lnSpc>
-              <a:spcPct val="90000"/>
-            </a:lnSpc>
-            <a:spcBef>
-              <a:spcPct val="0"/>
-            </a:spcBef>
-            <a:spcAft>
-              <a:spcPct val="35000"/>
-            </a:spcAft>
-            <a:buNone/>
-          </a:pPr>
-          <a:r>
-            <a:rPr lang="es-ES" sz="1800" kern="1200" dirty="0"/>
-            <a:t>Patrones de Diseño Arquitectónico</a:t>
-          </a:r>
-          <a:endParaRPr lang="es-419" sz="1800" kern="1200" dirty="0"/>
-        </a:p>
-      </dsp:txBody>
-      <dsp:txXfrm>
-        <a:off x="23322" y="1488133"/>
-        <a:ext cx="4808764" cy="431116"/>
-      </dsp:txXfrm>
-    </dsp:sp>
-    <dsp:sp modelId="{26E24DDE-E23E-48B1-AF66-C64D64F3041C}">
-      <dsp:nvSpPr>
-        <dsp:cNvPr id="0" name=""/>
-        <dsp:cNvSpPr/>
-      </dsp:nvSpPr>
-      <dsp:spPr>
-        <a:xfrm>
-          <a:off x="0" y="1942571"/>
-          <a:ext cx="4855408" cy="482763"/>
-        </a:xfrm>
-        <a:prstGeom prst="rect">
-          <a:avLst/>
-        </a:prstGeom>
-        <a:noFill/>
-        <a:ln>
-          <a:noFill/>
-        </a:ln>
-        <a:effectLst/>
-      </dsp:spPr>
-      <dsp:style>
-        <a:lnRef idx="0">
-          <a:scrgbClr r="0" g="0" b="0"/>
-        </a:lnRef>
-        <a:fillRef idx="0">
-          <a:scrgbClr r="0" g="0" b="0"/>
-        </a:fillRef>
-        <a:effectRef idx="0">
-          <a:scrgbClr r="0" g="0" b="0"/>
-        </a:effectRef>
-        <a:fontRef idx="minor"/>
-      </dsp:style>
-      <dsp:txBody>
-        <a:bodyPr spcFirstLastPara="0" vert="horz" wrap="square" lIns="154159" tIns="17780" rIns="99568" bIns="17780" numCol="1" spcCol="1270" anchor="t" anchorCtr="0">
-          <a:noAutofit/>
-        </a:bodyPr>
-        <a:lstStyle/>
-        <a:p>
-          <a:pPr marL="114300" lvl="1" indent="-114300" algn="l" defTabSz="622300">
-            <a:lnSpc>
-              <a:spcPct val="90000"/>
-            </a:lnSpc>
-            <a:spcBef>
-              <a:spcPct val="0"/>
-            </a:spcBef>
-            <a:spcAft>
-              <a:spcPct val="20000"/>
-            </a:spcAft>
-            <a:buChar char="•"/>
-          </a:pPr>
-          <a:r>
-            <a:rPr lang="es-ES" sz="1400" kern="1200" dirty="0"/>
-            <a:t>Creacionales</a:t>
-          </a:r>
-          <a:endParaRPr lang="es-419" sz="1400" kern="1200" dirty="0"/>
-        </a:p>
-        <a:p>
-          <a:pPr marL="114300" lvl="1" indent="-114300" algn="l" defTabSz="622300">
-            <a:lnSpc>
-              <a:spcPct val="90000"/>
-            </a:lnSpc>
-            <a:spcBef>
-              <a:spcPct val="0"/>
-            </a:spcBef>
-            <a:spcAft>
-              <a:spcPct val="20000"/>
-            </a:spcAft>
-            <a:buChar char="•"/>
-          </a:pPr>
-          <a:r>
-            <a:rPr lang="es-ES" sz="1400" kern="1200" dirty="0"/>
-            <a:t>Estructurales</a:t>
-          </a:r>
-          <a:endParaRPr lang="es-419" sz="1400" kern="1200" dirty="0"/>
-        </a:p>
-        <a:p>
-          <a:pPr marL="114300" lvl="1" indent="-114300" algn="l" defTabSz="622300">
-            <a:lnSpc>
-              <a:spcPct val="90000"/>
-            </a:lnSpc>
-            <a:spcBef>
-              <a:spcPct val="0"/>
-            </a:spcBef>
-            <a:spcAft>
-              <a:spcPct val="20000"/>
-            </a:spcAft>
-            <a:buChar char="•"/>
-          </a:pPr>
-          <a:r>
-            <a:rPr lang="es-ES" sz="1400" kern="1200" dirty="0"/>
-            <a:t>Comportamiento</a:t>
-          </a:r>
-          <a:endParaRPr lang="es-419" sz="1400" kern="1200" dirty="0"/>
-        </a:p>
-      </dsp:txBody>
-      <dsp:txXfrm>
-        <a:off x="0" y="1942571"/>
-        <a:ext cx="4855408" cy="482763"/>
-      </dsp:txXfrm>
-    </dsp:sp>
-    <dsp:sp modelId="{B0D04FAC-DFE1-44AF-BAD0-81A5EE118757}">
-      <dsp:nvSpPr>
-        <dsp:cNvPr id="0" name=""/>
-        <dsp:cNvSpPr/>
-      </dsp:nvSpPr>
-      <dsp:spPr>
-        <a:xfrm>
-          <a:off x="0" y="2425335"/>
-          <a:ext cx="4855408" cy="477760"/>
+          <a:off x="0" y="2207572"/>
+          <a:ext cx="4855408" cy="593896"/>
         </a:xfrm>
         <a:prstGeom prst="roundRect">
           <a:avLst/>
@@ -3806,12 +3522,12 @@
         </a:fontRef>
       </dsp:style>
       <dsp:txBody>
-        <a:bodyPr spcFirstLastPara="0" vert="horz" wrap="square" lIns="68580" tIns="68580" rIns="68580" bIns="68580" numCol="1" spcCol="1270" anchor="ctr" anchorCtr="0">
+        <a:bodyPr spcFirstLastPara="0" vert="horz" wrap="square" lIns="60960" tIns="60960" rIns="60960" bIns="60960" numCol="1" spcCol="1270" anchor="ctr" anchorCtr="0">
           <a:noAutofit/>
         </a:bodyPr>
         <a:lstStyle/>
         <a:p>
-          <a:pPr marL="0" lvl="0" indent="0" algn="l" defTabSz="800100">
+          <a:pPr marL="0" lvl="0" indent="0" algn="ctr" defTabSz="711200">
             <a:lnSpc>
               <a:spcPct val="90000"/>
             </a:lnSpc>
@@ -3824,35 +3540,92 @@
             <a:buNone/>
           </a:pPr>
           <a:r>
-            <a:rPr lang="es-ES" sz="1800" kern="1200"/>
-            <a:t>Proceso - Producto</a:t>
+            <a:rPr lang="es-ES" sz="1600" kern="1200" dirty="0"/>
+            <a:t>Patrones de Diseño Arquitectónico Creacionales, Estructurales y Comportamiento</a:t>
           </a:r>
-          <a:endParaRPr lang="es-419" sz="1800" kern="1200" dirty="0"/>
+          <a:endParaRPr lang="es-419" sz="1600" kern="1200" dirty="0"/>
         </a:p>
       </dsp:txBody>
       <dsp:txXfrm>
-        <a:off x="23322" y="2448657"/>
-        <a:ext cx="4808764" cy="431116"/>
+        <a:off x="28992" y="2236564"/>
+        <a:ext cx="4797424" cy="535912"/>
       </dsp:txXfrm>
     </dsp:sp>
-    <dsp:sp modelId="{92722FD8-C4A9-4ED5-9441-E4EA9B875C21}">
+    <dsp:sp modelId="{26E24DDE-E23E-48B1-AF66-C64D64F3041C}">
       <dsp:nvSpPr>
         <dsp:cNvPr id="0" name=""/>
         <dsp:cNvSpPr/>
       </dsp:nvSpPr>
       <dsp:spPr>
         <a:xfrm>
-          <a:off x="0" y="2912690"/>
-          <a:ext cx="4855408" cy="477760"/>
+          <a:off x="0" y="2799122"/>
+          <a:ext cx="4855408" cy="65576"/>
+        </a:xfrm>
+        <a:prstGeom prst="rect">
+          <a:avLst/>
+        </a:prstGeom>
+        <a:noFill/>
+        <a:ln>
+          <a:noFill/>
+        </a:ln>
+        <a:effectLst/>
+      </dsp:spPr>
+      <dsp:style>
+        <a:lnRef idx="0">
+          <a:scrgbClr r="0" g="0" b="0"/>
+        </a:lnRef>
+        <a:fillRef idx="0">
+          <a:scrgbClr r="0" g="0" b="0"/>
+        </a:fillRef>
+        <a:effectRef idx="0">
+          <a:scrgbClr r="0" g="0" b="0"/>
+        </a:effectRef>
+        <a:fontRef idx="minor"/>
+      </dsp:style>
+      <dsp:txBody>
+        <a:bodyPr spcFirstLastPara="0" vert="horz" wrap="square" lIns="154159" tIns="20320" rIns="113792" bIns="20320" numCol="1" spcCol="1270" anchor="t" anchorCtr="0">
+          <a:noAutofit/>
+        </a:bodyPr>
+        <a:lstStyle/>
+        <a:p>
+          <a:pPr marL="171450" lvl="1" indent="-171450" algn="l" defTabSz="711200">
+            <a:lnSpc>
+              <a:spcPct val="90000"/>
+            </a:lnSpc>
+            <a:spcBef>
+              <a:spcPct val="0"/>
+            </a:spcBef>
+            <a:spcAft>
+              <a:spcPct val="20000"/>
+            </a:spcAft>
+            <a:buChar char="•"/>
+          </a:pPr>
+          <a:endParaRPr lang="es-419" sz="1600" kern="1200" dirty="0"/>
+        </a:p>
+      </dsp:txBody>
+      <dsp:txXfrm>
+        <a:off x="0" y="2799122"/>
+        <a:ext cx="4855408" cy="65576"/>
+      </dsp:txXfrm>
+    </dsp:sp>
+    <dsp:sp modelId="{9105B5D0-D0A4-4882-B1B3-7F8FB7D63E78}">
+      <dsp:nvSpPr>
+        <dsp:cNvPr id="0" name=""/>
+        <dsp:cNvSpPr/>
+      </dsp:nvSpPr>
+      <dsp:spPr>
+        <a:xfrm>
+          <a:off x="0" y="2861111"/>
+          <a:ext cx="4855408" cy="701759"/>
         </a:xfrm>
         <a:prstGeom prst="roundRect">
           <a:avLst/>
         </a:prstGeom>
         <a:solidFill>
           <a:schemeClr val="accent5">
-            <a:hueOff val="-4595840"/>
-            <a:satOff val="-6392"/>
-            <a:lumOff val="-2451"/>
+            <a:hueOff val="-4902230"/>
+            <a:satOff val="-6819"/>
+            <a:lumOff val="-2615"/>
             <a:alphaOff val="0"/>
           </a:schemeClr>
         </a:solidFill>
@@ -3885,12 +3658,12 @@
         </a:fontRef>
       </dsp:style>
       <dsp:txBody>
-        <a:bodyPr spcFirstLastPara="0" vert="horz" wrap="square" lIns="68580" tIns="68580" rIns="68580" bIns="68580" numCol="1" spcCol="1270" anchor="ctr" anchorCtr="0">
+        <a:bodyPr spcFirstLastPara="0" vert="horz" wrap="square" lIns="60960" tIns="60960" rIns="60960" bIns="60960" numCol="1" spcCol="1270" anchor="ctr" anchorCtr="0">
           <a:noAutofit/>
         </a:bodyPr>
         <a:lstStyle/>
         <a:p>
-          <a:pPr marL="0" lvl="0" indent="0" algn="l" defTabSz="800100">
+          <a:pPr marL="0" lvl="0" indent="0" algn="ctr" defTabSz="711200">
             <a:lnSpc>
               <a:spcPct val="90000"/>
             </a:lnSpc>
@@ -3898,44 +3671,70 @@
               <a:spcPct val="0"/>
             </a:spcBef>
             <a:spcAft>
-              <a:spcPct val="35000"/>
+              <a:spcPts val="0"/>
             </a:spcAft>
             <a:buNone/>
           </a:pPr>
           <a:r>
-            <a:rPr lang="es-ES" sz="1800" kern="1200" dirty="0"/>
-            <a:t>Arquitectura Orientada a Servicios –  MVC - </a:t>
+            <a:rPr lang="es-ES" sz="1600" kern="1200" dirty="0"/>
+            <a:t>Arquitecturas</a:t>
+          </a:r>
+        </a:p>
+        <a:p>
+          <a:pPr marL="0" lvl="0" indent="0" algn="ctr" defTabSz="711200">
+            <a:lnSpc>
+              <a:spcPct val="90000"/>
+            </a:lnSpc>
+            <a:spcBef>
+              <a:spcPct val="0"/>
+            </a:spcBef>
+            <a:spcAft>
+              <a:spcPts val="0"/>
+            </a:spcAft>
+            <a:buNone/>
+          </a:pPr>
+          <a:r>
+            <a:rPr lang="es-ES" sz="1600" kern="1200" dirty="0"/>
+            <a:t>Monolitos – SOA – </a:t>
           </a:r>
           <a:r>
-            <a:rPr lang="es-ES" sz="1800" kern="1200" dirty="0" err="1"/>
+            <a:rPr lang="es-ES" sz="1600" kern="1200" dirty="0" err="1"/>
             <a:t>MicroServicios</a:t>
           </a:r>
-          <a:endParaRPr lang="es-419" sz="1800" kern="1200" dirty="0"/>
+          <a:r>
+            <a:rPr lang="es-ES" sz="1600" kern="1200" dirty="0"/>
+            <a:t> - DDD - Hexagonal (puertos y adaptadores) - </a:t>
+          </a:r>
+          <a:r>
+            <a:rPr lang="es-ES" sz="1600" kern="1200" dirty="0" err="1"/>
+            <a:t>Serverless</a:t>
+          </a:r>
+          <a:endParaRPr lang="es-ES" sz="1600" kern="1200" dirty="0"/>
         </a:p>
       </dsp:txBody>
       <dsp:txXfrm>
-        <a:off x="23322" y="2936012"/>
-        <a:ext cx="4808764" cy="431116"/>
+        <a:off x="34257" y="2895368"/>
+        <a:ext cx="4786894" cy="633245"/>
       </dsp:txXfrm>
     </dsp:sp>
-    <dsp:sp modelId="{9105B5D0-D0A4-4882-B1B3-7F8FB7D63E78}">
+    <dsp:sp modelId="{A06EF008-76DC-4523-97B8-CCB0E834327F}">
       <dsp:nvSpPr>
         <dsp:cNvPr id="0" name=""/>
         <dsp:cNvSpPr/>
       </dsp:nvSpPr>
       <dsp:spPr>
         <a:xfrm>
-          <a:off x="0" y="3400046"/>
-          <a:ext cx="4855408" cy="477760"/>
+          <a:off x="0" y="3577864"/>
+          <a:ext cx="4855408" cy="593896"/>
         </a:xfrm>
         <a:prstGeom prst="roundRect">
           <a:avLst/>
         </a:prstGeom>
         <a:solidFill>
           <a:schemeClr val="accent5">
-            <a:hueOff val="-5515009"/>
-            <a:satOff val="-7671"/>
-            <a:lumOff val="-2942"/>
+            <a:hueOff val="-6127787"/>
+            <a:satOff val="-8523"/>
+            <a:lumOff val="-3268"/>
             <a:alphaOff val="0"/>
           </a:schemeClr>
         </a:solidFill>
@@ -3968,12 +3767,12 @@
         </a:fontRef>
       </dsp:style>
       <dsp:txBody>
-        <a:bodyPr spcFirstLastPara="0" vert="horz" wrap="square" lIns="68580" tIns="68580" rIns="68580" bIns="68580" numCol="1" spcCol="1270" anchor="ctr" anchorCtr="0">
+        <a:bodyPr spcFirstLastPara="0" vert="horz" wrap="square" lIns="60960" tIns="60960" rIns="60960" bIns="60960" numCol="1" spcCol="1270" anchor="ctr" anchorCtr="0">
           <a:noAutofit/>
         </a:bodyPr>
         <a:lstStyle/>
         <a:p>
-          <a:pPr marL="0" lvl="0" indent="0" algn="l" defTabSz="800100">
+          <a:pPr marL="0" lvl="0" indent="0" algn="ctr" defTabSz="711200">
             <a:lnSpc>
               <a:spcPct val="90000"/>
             </a:lnSpc>
@@ -3986,77 +3785,12 @@
             <a:buNone/>
           </a:pPr>
           <a:r>
-            <a:rPr lang="es-ES" sz="1800" kern="1200" dirty="0"/>
-            <a:t>Monolitos – </a:t>
+            <a:rPr lang="es-ES" sz="1600" kern="1200" dirty="0"/>
+            <a:t>Arquitecturas Agenticas</a:t>
           </a:r>
-          <a:r>
-            <a:rPr lang="es-ES" sz="1800" kern="1200" dirty="0" err="1"/>
-            <a:t>Microlitos</a:t>
-          </a:r>
-          <a:endParaRPr lang="es-419" sz="1800" kern="1200" dirty="0"/>
         </a:p>
-      </dsp:txBody>
-      <dsp:txXfrm>
-        <a:off x="23322" y="3423368"/>
-        <a:ext cx="4808764" cy="431116"/>
-      </dsp:txXfrm>
-    </dsp:sp>
-    <dsp:sp modelId="{A06EF008-76DC-4523-97B8-CCB0E834327F}">
-      <dsp:nvSpPr>
-        <dsp:cNvPr id="0" name=""/>
-        <dsp:cNvSpPr/>
-      </dsp:nvSpPr>
-      <dsp:spPr>
-        <a:xfrm>
-          <a:off x="0" y="3887401"/>
-          <a:ext cx="4855408" cy="477760"/>
-        </a:xfrm>
-        <a:prstGeom prst="roundRect">
-          <a:avLst/>
-        </a:prstGeom>
-        <a:solidFill>
-          <a:schemeClr val="accent5">
-            <a:hueOff val="-6434176"/>
-            <a:satOff val="-8949"/>
-            <a:lumOff val="-3432"/>
-            <a:alphaOff val="0"/>
-          </a:schemeClr>
-        </a:solidFill>
-        <a:ln w="12700" cap="flat" cmpd="sng" algn="ctr">
-          <a:solidFill>
-            <a:schemeClr val="lt1">
-              <a:hueOff val="0"/>
-              <a:satOff val="0"/>
-              <a:lumOff val="0"/>
-              <a:alphaOff val="0"/>
-            </a:schemeClr>
-          </a:solidFill>
-          <a:prstDash val="solid"/>
-          <a:miter lim="800000"/>
-        </a:ln>
-        <a:effectLst/>
-      </dsp:spPr>
-      <dsp:style>
-        <a:lnRef idx="2">
-          <a:scrgbClr r="0" g="0" b="0"/>
-        </a:lnRef>
-        <a:fillRef idx="1">
-          <a:scrgbClr r="0" g="0" b="0"/>
-        </a:fillRef>
-        <a:effectRef idx="0">
-          <a:scrgbClr r="0" g="0" b="0"/>
-        </a:effectRef>
-        <a:fontRef idx="minor">
-          <a:schemeClr val="lt1"/>
-        </a:fontRef>
-      </dsp:style>
-      <dsp:txBody>
-        <a:bodyPr spcFirstLastPara="0" vert="horz" wrap="square" lIns="68580" tIns="68580" rIns="68580" bIns="68580" numCol="1" spcCol="1270" anchor="ctr" anchorCtr="0">
-          <a:noAutofit/>
-        </a:bodyPr>
-        <a:lstStyle/>
         <a:p>
-          <a:pPr marL="0" lvl="0" indent="0" algn="l" defTabSz="800100">
+          <a:pPr marL="0" lvl="0" indent="0" algn="ctr" defTabSz="711200">
             <a:lnSpc>
               <a:spcPct val="90000"/>
             </a:lnSpc>
@@ -4069,15 +3803,31 @@
             <a:buNone/>
           </a:pPr>
           <a:r>
-            <a:rPr lang="es-ES" sz="1800" kern="1200" dirty="0"/>
-            <a:t>DDD</a:t>
+            <a:rPr lang="es-419" sz="1600" kern="1200" dirty="0" err="1"/>
+            <a:t>Spec-Driven</a:t>
           </a:r>
-          <a:endParaRPr lang="es-419" sz="1800" kern="1200" dirty="0"/>
+          <a:r>
+            <a:rPr lang="es-419" sz="1600" kern="1200" dirty="0"/>
+            <a:t> </a:t>
+          </a:r>
+          <a:r>
+            <a:rPr lang="es-419" sz="1600" kern="1200" dirty="0" err="1"/>
+            <a:t>Development</a:t>
+          </a:r>
+          <a:r>
+            <a:rPr lang="es-419" sz="1600" kern="1200" dirty="0"/>
+            <a:t> (SDD)</a:t>
+          </a:r>
+          <a:r>
+            <a:rPr lang="es-ES" sz="1600" kern="1200" dirty="0"/>
+            <a:t> </a:t>
+          </a:r>
+          <a:endParaRPr lang="es-419" sz="1600" kern="1200" dirty="0"/>
         </a:p>
       </dsp:txBody>
       <dsp:txXfrm>
-        <a:off x="23322" y="3910723"/>
-        <a:ext cx="4808764" cy="431116"/>
+        <a:off x="28992" y="3606856"/>
+        <a:ext cx="4797424" cy="535912"/>
       </dsp:txXfrm>
     </dsp:sp>
     <dsp:sp modelId="{47E65D26-5D15-4ADD-B5B4-95521DEBC97A}">
@@ -4087,8 +3837,8 @@
       </dsp:nvSpPr>
       <dsp:spPr>
         <a:xfrm>
-          <a:off x="0" y="4374756"/>
-          <a:ext cx="4855408" cy="477760"/>
+          <a:off x="0" y="4183165"/>
+          <a:ext cx="4855408" cy="593896"/>
         </a:xfrm>
         <a:prstGeom prst="roundRect">
           <a:avLst/>
@@ -4130,12 +3880,12 @@
         </a:fontRef>
       </dsp:style>
       <dsp:txBody>
-        <a:bodyPr spcFirstLastPara="0" vert="horz" wrap="square" lIns="68580" tIns="68580" rIns="68580" bIns="68580" numCol="1" spcCol="1270" anchor="ctr" anchorCtr="0">
+        <a:bodyPr spcFirstLastPara="0" vert="horz" wrap="square" lIns="60960" tIns="60960" rIns="60960" bIns="60960" numCol="1" spcCol="1270" anchor="ctr" anchorCtr="0">
           <a:noAutofit/>
         </a:bodyPr>
         <a:lstStyle/>
         <a:p>
-          <a:pPr marL="0" lvl="0" indent="0" algn="l" defTabSz="800100">
+          <a:pPr marL="0" lvl="0" indent="0" algn="ctr" defTabSz="711200">
             <a:lnSpc>
               <a:spcPct val="90000"/>
             </a:lnSpc>
@@ -4148,15 +3898,15 @@
             <a:buNone/>
           </a:pPr>
           <a:r>
-            <a:rPr lang="es-ES" sz="1800" kern="1200" dirty="0"/>
+            <a:rPr lang="es-ES" sz="1600" kern="1200" dirty="0"/>
             <a:t>Arquitectura Aplicaciones TOGAF</a:t>
           </a:r>
-          <a:endParaRPr lang="es-419" sz="1800" kern="1200" dirty="0"/>
+          <a:endParaRPr lang="es-419" sz="1600" kern="1200" dirty="0"/>
         </a:p>
       </dsp:txBody>
       <dsp:txXfrm>
-        <a:off x="23322" y="4398078"/>
-        <a:ext cx="4808764" cy="431116"/>
+        <a:off x="28992" y="4212157"/>
+        <a:ext cx="4797424" cy="535912"/>
       </dsp:txXfrm>
     </dsp:sp>
   </dsp:spTree>
@@ -4178,8 +3928,8 @@
       </dsp:nvSpPr>
       <dsp:spPr>
         <a:xfrm>
-          <a:off x="3051105" y="2112642"/>
-          <a:ext cx="1277156" cy="1277156"/>
+          <a:off x="3050698" y="2112235"/>
+          <a:ext cx="1277970" cy="1277970"/>
         </a:xfrm>
         <a:prstGeom prst="ellipse">
           <a:avLst/>
@@ -4276,8 +4026,8 @@
         </a:p>
       </dsp:txBody>
       <dsp:txXfrm>
-        <a:off x="3238140" y="2299677"/>
-        <a:ext cx="903086" cy="903086"/>
+        <a:off x="3237852" y="2299389"/>
+        <a:ext cx="903662" cy="903662"/>
       </dsp:txXfrm>
     </dsp:sp>
     <dsp:sp modelId="{EB0AF5A9-DC82-4A90-9606-8D7AE1529A5B}">
@@ -4287,8 +4037,8 @@
       </dsp:nvSpPr>
       <dsp:spPr>
         <a:xfrm rot="5400000">
-          <a:off x="3553735" y="1646715"/>
-          <a:ext cx="271896" cy="434233"/>
+          <a:off x="3552972" y="1644773"/>
+          <a:ext cx="273422" cy="434509"/>
         </a:xfrm>
         <a:prstGeom prst="rightArrow">
           <a:avLst>
@@ -4329,7 +4079,7 @@
         </a:bodyPr>
         <a:lstStyle/>
         <a:p>
-          <a:pPr marL="0" lvl="0" indent="0" algn="ctr" defTabSz="577850">
+          <a:pPr marL="0" lvl="0" indent="0" algn="ctr" defTabSz="533400">
             <a:lnSpc>
               <a:spcPct val="90000"/>
             </a:lnSpc>
@@ -4341,12 +4091,12 @@
             </a:spcAft>
             <a:buNone/>
           </a:pPr>
-          <a:endParaRPr lang="es-419" sz="1300" kern="1200"/>
+          <a:endParaRPr lang="es-419" sz="1200" kern="1200"/>
         </a:p>
       </dsp:txBody>
       <dsp:txXfrm>
-        <a:off x="3594520" y="1692778"/>
-        <a:ext cx="190327" cy="260539"/>
+        <a:off x="3593986" y="1690662"/>
+        <a:ext cx="191395" cy="260705"/>
       </dsp:txXfrm>
     </dsp:sp>
     <dsp:sp modelId="{38331A70-88E1-47D8-B909-26F272909096}">
@@ -4356,8 +4106,8 @@
       </dsp:nvSpPr>
       <dsp:spPr>
         <a:xfrm>
-          <a:off x="2891460" y="3185"/>
-          <a:ext cx="1596445" cy="1596445"/>
+          <a:off x="2895944" y="8866"/>
+          <a:ext cx="1587478" cy="1587478"/>
         </a:xfrm>
         <a:prstGeom prst="ellipse">
           <a:avLst/>
@@ -4399,12 +4149,12 @@
         </a:fontRef>
       </dsp:style>
       <dsp:txBody>
-        <a:bodyPr spcFirstLastPara="0" vert="horz" wrap="square" lIns="16510" tIns="16510" rIns="16510" bIns="16510" numCol="1" spcCol="1270" anchor="ctr" anchorCtr="0">
+        <a:bodyPr spcFirstLastPara="0" vert="horz" wrap="square" lIns="15240" tIns="15240" rIns="15240" bIns="15240" numCol="1" spcCol="1270" anchor="ctr" anchorCtr="0">
           <a:noAutofit/>
         </a:bodyPr>
         <a:lstStyle/>
         <a:p>
-          <a:pPr marL="0" lvl="0" indent="0" algn="ctr" defTabSz="577850">
+          <a:pPr marL="0" lvl="0" indent="0" algn="ctr" defTabSz="533400">
             <a:lnSpc>
               <a:spcPct val="90000"/>
             </a:lnSpc>
@@ -4417,12 +4167,12 @@
             <a:buNone/>
           </a:pPr>
           <a:r>
-            <a:rPr lang="es-ES" sz="1300" kern="1200" dirty="0"/>
+            <a:rPr lang="es-ES" sz="1200" kern="1200" dirty="0"/>
             <a:t>25%</a:t>
           </a:r>
         </a:p>
         <a:p>
-          <a:pPr marL="0" lvl="0" indent="0" algn="ctr" defTabSz="577850">
+          <a:pPr marL="0" lvl="0" indent="0" algn="ctr" defTabSz="533400">
             <a:lnSpc>
               <a:spcPct val="90000"/>
             </a:lnSpc>
@@ -4435,12 +4185,12 @@
             <a:buNone/>
           </a:pPr>
           <a:r>
-            <a:rPr lang="es-ES" sz="1300" kern="1200" dirty="0"/>
-            <a:t>Semana 5</a:t>
+            <a:rPr lang="es-ES" sz="1200" kern="1200" dirty="0"/>
+            <a:t>Semana 4</a:t>
           </a:r>
         </a:p>
         <a:p>
-          <a:pPr marL="0" lvl="0" indent="0" algn="ctr" defTabSz="577850">
+          <a:pPr marL="0" lvl="0" indent="0" algn="ctr" defTabSz="533400">
             <a:lnSpc>
               <a:spcPct val="90000"/>
             </a:lnSpc>
@@ -4453,15 +4203,15 @@
             <a:buNone/>
           </a:pPr>
           <a:r>
-            <a:rPr lang="es-ES" sz="1300" kern="1200" dirty="0"/>
+            <a:rPr lang="es-ES" sz="1200" kern="1200" dirty="0"/>
             <a:t>Aplicación principios SOLID</a:t>
           </a:r>
-          <a:endParaRPr lang="es-419" sz="1300" kern="1200" dirty="0"/>
+          <a:endParaRPr lang="es-419" sz="1200" kern="1200" dirty="0"/>
         </a:p>
       </dsp:txBody>
       <dsp:txXfrm>
-        <a:off x="3125254" y="236979"/>
-        <a:ext cx="1128857" cy="1128857"/>
+        <a:off x="3128425" y="241347"/>
+        <a:ext cx="1122516" cy="1122516"/>
       </dsp:txXfrm>
     </dsp:sp>
     <dsp:sp modelId="{59A90926-6D65-47C4-B9E8-2C501EC09320}">
@@ -4471,8 +4221,8 @@
       </dsp:nvSpPr>
       <dsp:spPr>
         <a:xfrm rot="10800000">
-          <a:off x="4441124" y="2534104"/>
-          <a:ext cx="271896" cy="434233"/>
+          <a:off x="4442164" y="2533966"/>
+          <a:ext cx="273422" cy="434509"/>
         </a:xfrm>
         <a:prstGeom prst="rightArrow">
           <a:avLst>
@@ -4513,7 +4263,7 @@
         </a:bodyPr>
         <a:lstStyle/>
         <a:p>
-          <a:pPr marL="0" lvl="0" indent="0" algn="ctr" defTabSz="577850">
+          <a:pPr marL="0" lvl="0" indent="0" algn="ctr" defTabSz="533400">
             <a:lnSpc>
               <a:spcPct val="90000"/>
             </a:lnSpc>
@@ -4525,12 +4275,12 @@
             </a:spcAft>
             <a:buNone/>
           </a:pPr>
-          <a:endParaRPr lang="es-419" sz="1300" kern="1200"/>
+          <a:endParaRPr lang="es-419" sz="1200" kern="1200"/>
         </a:p>
       </dsp:txBody>
       <dsp:txXfrm>
-        <a:off x="4522693" y="2620951"/>
-        <a:ext cx="190327" cy="260539"/>
+        <a:off x="4524191" y="2620868"/>
+        <a:ext cx="191395" cy="260705"/>
       </dsp:txXfrm>
     </dsp:sp>
     <dsp:sp modelId="{84946AE4-C85D-44AD-9F24-D9C94C4049B9}">
@@ -4540,8 +4290,8 @@
       </dsp:nvSpPr>
       <dsp:spPr>
         <a:xfrm>
-          <a:off x="4841273" y="1952998"/>
-          <a:ext cx="1596445" cy="1596445"/>
+          <a:off x="4844559" y="1957481"/>
+          <a:ext cx="1587478" cy="1587478"/>
         </a:xfrm>
         <a:prstGeom prst="ellipse">
           <a:avLst/>
@@ -4583,12 +4333,12 @@
         </a:fontRef>
       </dsp:style>
       <dsp:txBody>
-        <a:bodyPr spcFirstLastPara="0" vert="horz" wrap="square" lIns="16510" tIns="16510" rIns="16510" bIns="16510" numCol="1" spcCol="1270" anchor="ctr" anchorCtr="0">
+        <a:bodyPr spcFirstLastPara="0" vert="horz" wrap="square" lIns="15240" tIns="15240" rIns="15240" bIns="15240" numCol="1" spcCol="1270" anchor="ctr" anchorCtr="0">
           <a:noAutofit/>
         </a:bodyPr>
         <a:lstStyle/>
         <a:p>
-          <a:pPr marL="0" lvl="0" indent="0" algn="ctr" defTabSz="577850">
+          <a:pPr marL="0" lvl="0" indent="0" algn="ctr" defTabSz="533400">
             <a:lnSpc>
               <a:spcPct val="90000"/>
             </a:lnSpc>
@@ -4601,12 +4351,12 @@
             <a:buNone/>
           </a:pPr>
           <a:r>
-            <a:rPr lang="es-ES" sz="1300" kern="1200" dirty="0"/>
+            <a:rPr lang="es-ES" sz="1200" kern="1200" dirty="0"/>
             <a:t>25%</a:t>
           </a:r>
         </a:p>
         <a:p>
-          <a:pPr marL="0" lvl="0" indent="0" algn="ctr" defTabSz="577850">
+          <a:pPr marL="0" lvl="0" indent="0" algn="ctr" defTabSz="533400">
             <a:lnSpc>
               <a:spcPct val="90000"/>
             </a:lnSpc>
@@ -4619,12 +4369,12 @@
             <a:buNone/>
           </a:pPr>
           <a:r>
-            <a:rPr lang="es-ES" sz="1300" kern="1200" dirty="0"/>
-            <a:t>Semana 10</a:t>
+            <a:rPr lang="es-ES" sz="1200" kern="1200" dirty="0"/>
+            <a:t>Semana 8</a:t>
           </a:r>
         </a:p>
         <a:p>
-          <a:pPr marL="0" lvl="0" indent="0" algn="ctr" defTabSz="577850">
+          <a:pPr marL="0" lvl="0" indent="0" algn="ctr" defTabSz="533400">
             <a:lnSpc>
               <a:spcPct val="90000"/>
             </a:lnSpc>
@@ -4637,15 +4387,15 @@
             <a:buNone/>
           </a:pPr>
           <a:r>
-            <a:rPr lang="es-ES" sz="1300" kern="1200" dirty="0"/>
+            <a:rPr lang="es-ES" sz="1200" kern="1200" dirty="0"/>
             <a:t>Aplicación Patrones Arquitectónicos</a:t>
           </a:r>
-          <a:endParaRPr lang="es-419" sz="1300" kern="1200" dirty="0"/>
+          <a:endParaRPr lang="es-419" sz="1200" kern="1200" dirty="0"/>
         </a:p>
       </dsp:txBody>
       <dsp:txXfrm>
-        <a:off x="5075067" y="2186792"/>
-        <a:ext cx="1128857" cy="1128857"/>
+        <a:off x="5077040" y="2189962"/>
+        <a:ext cx="1122516" cy="1122516"/>
       </dsp:txXfrm>
     </dsp:sp>
     <dsp:sp modelId="{BB4FC240-384A-4E93-B4E5-D6E347344E99}">
@@ -4655,8 +4405,8 @@
       </dsp:nvSpPr>
       <dsp:spPr>
         <a:xfrm rot="16200000">
-          <a:off x="3553735" y="3421493"/>
-          <a:ext cx="271896" cy="434233"/>
+          <a:off x="3552972" y="3423158"/>
+          <a:ext cx="273422" cy="434509"/>
         </a:xfrm>
         <a:prstGeom prst="rightArrow">
           <a:avLst>
@@ -4697,7 +4447,7 @@
         </a:bodyPr>
         <a:lstStyle/>
         <a:p>
-          <a:pPr marL="0" lvl="0" indent="0" algn="ctr" defTabSz="577850">
+          <a:pPr marL="0" lvl="0" indent="0" algn="ctr" defTabSz="533400">
             <a:lnSpc>
               <a:spcPct val="90000"/>
             </a:lnSpc>
@@ -4709,12 +4459,12 @@
             </a:spcAft>
             <a:buNone/>
           </a:pPr>
-          <a:endParaRPr lang="es-419" sz="1300" kern="1200"/>
+          <a:endParaRPr lang="es-419" sz="1200" kern="1200"/>
         </a:p>
       </dsp:txBody>
       <dsp:txXfrm>
-        <a:off x="3594520" y="3549125"/>
-        <a:ext cx="190327" cy="260539"/>
+        <a:off x="3593986" y="3551074"/>
+        <a:ext cx="191395" cy="260705"/>
       </dsp:txXfrm>
     </dsp:sp>
     <dsp:sp modelId="{79418567-9B43-4A8E-839B-844D819890CF}">
@@ -4724,8 +4474,8 @@
       </dsp:nvSpPr>
       <dsp:spPr>
         <a:xfrm>
-          <a:off x="2891460" y="3902811"/>
-          <a:ext cx="1596445" cy="1596445"/>
+          <a:off x="2895944" y="3906096"/>
+          <a:ext cx="1587478" cy="1587478"/>
         </a:xfrm>
         <a:prstGeom prst="ellipse">
           <a:avLst/>
@@ -4767,12 +4517,12 @@
         </a:fontRef>
       </dsp:style>
       <dsp:txBody>
-        <a:bodyPr spcFirstLastPara="0" vert="horz" wrap="square" lIns="16510" tIns="16510" rIns="16510" bIns="16510" numCol="1" spcCol="1270" anchor="ctr" anchorCtr="0">
+        <a:bodyPr spcFirstLastPara="0" vert="horz" wrap="square" lIns="15240" tIns="15240" rIns="15240" bIns="15240" numCol="1" spcCol="1270" anchor="ctr" anchorCtr="0">
           <a:noAutofit/>
         </a:bodyPr>
         <a:lstStyle/>
         <a:p>
-          <a:pPr marL="0" lvl="0" indent="0" algn="ctr" defTabSz="577850">
+          <a:pPr marL="0" lvl="0" indent="0" algn="ctr" defTabSz="533400">
             <a:lnSpc>
               <a:spcPct val="90000"/>
             </a:lnSpc>
@@ -4785,12 +4535,12 @@
             <a:buNone/>
           </a:pPr>
           <a:r>
-            <a:rPr lang="es-ES" sz="1300" kern="1200" dirty="0"/>
+            <a:rPr lang="es-ES" sz="1200" kern="1200" dirty="0"/>
             <a:t>25%</a:t>
           </a:r>
         </a:p>
         <a:p>
-          <a:pPr marL="0" lvl="0" indent="0" algn="ctr" defTabSz="577850">
+          <a:pPr marL="0" lvl="0" indent="0" algn="ctr" defTabSz="533400">
             <a:lnSpc>
               <a:spcPct val="90000"/>
             </a:lnSpc>
@@ -4803,12 +4553,12 @@
             <a:buNone/>
           </a:pPr>
           <a:r>
-            <a:rPr lang="es-ES" sz="1300" kern="1200" dirty="0"/>
+            <a:rPr lang="es-ES" sz="1200" kern="1200" dirty="0"/>
             <a:t>Semana 16</a:t>
           </a:r>
         </a:p>
         <a:p>
-          <a:pPr marL="0" lvl="0" indent="0" algn="ctr" defTabSz="577850">
+          <a:pPr marL="0" lvl="0" indent="0" algn="ctr" defTabSz="533400">
             <a:lnSpc>
               <a:spcPct val="90000"/>
             </a:lnSpc>
@@ -4821,14 +4571,14 @@
             <a:buNone/>
           </a:pPr>
           <a:r>
-            <a:rPr lang="es-419" sz="1300" kern="1200" dirty="0"/>
+            <a:rPr lang="es-419" sz="1200" kern="1200" dirty="0"/>
             <a:t>Diagrama de Diseño Arquitectónico</a:t>
           </a:r>
         </a:p>
       </dsp:txBody>
       <dsp:txXfrm>
-        <a:off x="3125254" y="4136605"/>
-        <a:ext cx="1128857" cy="1128857"/>
+        <a:off x="3128425" y="4138577"/>
+        <a:ext cx="1122516" cy="1122516"/>
       </dsp:txXfrm>
     </dsp:sp>
     <dsp:sp modelId="{D0427D62-0C20-4E51-80F5-506B6EDC44F1}">
@@ -4838,8 +4588,8 @@
       </dsp:nvSpPr>
       <dsp:spPr>
         <a:xfrm>
-          <a:off x="2666346" y="2534104"/>
-          <a:ext cx="271896" cy="434233"/>
+          <a:off x="2663780" y="2533966"/>
+          <a:ext cx="273422" cy="434509"/>
         </a:xfrm>
         <a:prstGeom prst="rightArrow">
           <a:avLst>
@@ -4880,7 +4630,7 @@
         </a:bodyPr>
         <a:lstStyle/>
         <a:p>
-          <a:pPr marL="0" lvl="0" indent="0" algn="ctr" defTabSz="577850">
+          <a:pPr marL="0" lvl="0" indent="0" algn="ctr" defTabSz="533400">
             <a:lnSpc>
               <a:spcPct val="90000"/>
             </a:lnSpc>
@@ -4892,12 +4642,12 @@
             </a:spcAft>
             <a:buNone/>
           </a:pPr>
-          <a:endParaRPr lang="es-419" sz="1300" kern="1200"/>
+          <a:endParaRPr lang="es-419" sz="1200" kern="1200"/>
         </a:p>
       </dsp:txBody>
       <dsp:txXfrm rot="10800000">
-        <a:off x="2666346" y="2620951"/>
-        <a:ext cx="190327" cy="260539"/>
+        <a:off x="2663780" y="2620868"/>
+        <a:ext cx="191395" cy="260705"/>
       </dsp:txXfrm>
     </dsp:sp>
     <dsp:sp modelId="{F34FC398-FFCF-4BD1-B023-E5CF1080FAD1}">
@@ -4907,8 +4657,8 @@
       </dsp:nvSpPr>
       <dsp:spPr>
         <a:xfrm>
-          <a:off x="941647" y="1952998"/>
-          <a:ext cx="1596445" cy="1596445"/>
+          <a:off x="947329" y="1957481"/>
+          <a:ext cx="1587478" cy="1587478"/>
         </a:xfrm>
         <a:prstGeom prst="ellipse">
           <a:avLst/>
@@ -4950,12 +4700,12 @@
         </a:fontRef>
       </dsp:style>
       <dsp:txBody>
-        <a:bodyPr spcFirstLastPara="0" vert="horz" wrap="square" lIns="16510" tIns="16510" rIns="16510" bIns="16510" numCol="1" spcCol="1270" anchor="ctr" anchorCtr="0">
+        <a:bodyPr spcFirstLastPara="0" vert="horz" wrap="square" lIns="15240" tIns="15240" rIns="15240" bIns="15240" numCol="1" spcCol="1270" anchor="ctr" anchorCtr="0">
           <a:noAutofit/>
         </a:bodyPr>
         <a:lstStyle/>
         <a:p>
-          <a:pPr marL="0" lvl="0" indent="0" algn="ctr" defTabSz="577850">
+          <a:pPr marL="0" lvl="0" indent="0" algn="ctr" defTabSz="533400">
             <a:lnSpc>
               <a:spcPct val="90000"/>
             </a:lnSpc>
@@ -4968,12 +4718,12 @@
             <a:buNone/>
           </a:pPr>
           <a:r>
-            <a:rPr lang="es-ES" sz="1300" kern="1200" dirty="0"/>
+            <a:rPr lang="es-ES" sz="1200" kern="1200" dirty="0"/>
             <a:t>25%</a:t>
           </a:r>
         </a:p>
         <a:p>
-          <a:pPr marL="0" lvl="0" indent="0" algn="ctr" defTabSz="577850">
+          <a:pPr marL="0" lvl="0" indent="0" algn="ctr" defTabSz="533400">
             <a:lnSpc>
               <a:spcPct val="90000"/>
             </a:lnSpc>
@@ -4986,15 +4736,15 @@
             <a:buNone/>
           </a:pPr>
           <a:r>
-            <a:rPr lang="es-ES" sz="1300" kern="1200" dirty="0"/>
-            <a:t>Prototipo de Software</a:t>
+            <a:rPr lang="es-ES" sz="1200" kern="1200" dirty="0"/>
+            <a:t>Aplicación Arquitecturas para Desarrollo de una Aplicación</a:t>
           </a:r>
-          <a:endParaRPr lang="es-419" sz="1300" kern="1200" dirty="0"/>
+          <a:endParaRPr lang="es-419" sz="1200" kern="1200" dirty="0"/>
         </a:p>
       </dsp:txBody>
       <dsp:txXfrm>
-        <a:off x="1175441" y="2186792"/>
-        <a:ext cx="1128857" cy="1128857"/>
+        <a:off x="1179810" y="2189962"/>
+        <a:ext cx="1122516" cy="1122516"/>
       </dsp:txXfrm>
     </dsp:sp>
   </dsp:spTree>
@@ -7475,6 +7225,452 @@
 </dgm:styleDef>
 </file>
 
+<file path=ppt/notesMasters/notesMaster1.xml><?xml version="1.0" encoding="utf-8"?>
+<p:notesMaster xmlns:a="http://schemas.openxmlformats.org/drawingml/2006/main" xmlns:r="http://schemas.openxmlformats.org/officeDocument/2006/relationships" xmlns:p="http://schemas.openxmlformats.org/presentationml/2006/main">
+  <p:cSld>
+    <p:bg>
+      <p:bgRef idx="1001">
+        <a:schemeClr val="bg1"/>
+      </p:bgRef>
+    </p:bg>
+    <p:spTree>
+      <p:nvGrpSpPr>
+        <p:cNvPr id="1" name=""/>
+        <p:cNvGrpSpPr/>
+        <p:nvPr/>
+      </p:nvGrpSpPr>
+      <p:grpSpPr>
+        <a:xfrm>
+          <a:off x="0" y="0"/>
+          <a:ext cx="0" cy="0"/>
+          <a:chOff x="0" y="0"/>
+          <a:chExt cx="0" cy="0"/>
+        </a:xfrm>
+      </p:grpSpPr>
+      <p:sp>
+        <p:nvSpPr>
+          <p:cNvPr id="2" name="Marcador de encabezado 1"/>
+          <p:cNvSpPr>
+            <a:spLocks noGrp="1"/>
+          </p:cNvSpPr>
+          <p:nvPr>
+            <p:ph type="hdr" sz="quarter"/>
+          </p:nvPr>
+        </p:nvSpPr>
+        <p:spPr>
+          <a:xfrm>
+            <a:off x="0" y="0"/>
+            <a:ext cx="2971800" cy="458788"/>
+          </a:xfrm>
+          <a:prstGeom prst="rect">
+            <a:avLst/>
+          </a:prstGeom>
+        </p:spPr>
+        <p:txBody>
+          <a:bodyPr vert="horz" lIns="91440" tIns="45720" rIns="91440" bIns="45720" rtlCol="0"/>
+          <a:lstStyle>
+            <a:lvl1pPr algn="l">
+              <a:defRPr sz="1200"/>
+            </a:lvl1pPr>
+          </a:lstStyle>
+          <a:p>
+            <a:endParaRPr lang="es-419"/>
+          </a:p>
+        </p:txBody>
+      </p:sp>
+      <p:sp>
+        <p:nvSpPr>
+          <p:cNvPr id="3" name="Marcador de fecha 2"/>
+          <p:cNvSpPr>
+            <a:spLocks noGrp="1"/>
+          </p:cNvSpPr>
+          <p:nvPr>
+            <p:ph type="dt" idx="1"/>
+          </p:nvPr>
+        </p:nvSpPr>
+        <p:spPr>
+          <a:xfrm>
+            <a:off x="3884613" y="0"/>
+            <a:ext cx="2971800" cy="458788"/>
+          </a:xfrm>
+          <a:prstGeom prst="rect">
+            <a:avLst/>
+          </a:prstGeom>
+        </p:spPr>
+        <p:txBody>
+          <a:bodyPr vert="horz" lIns="91440" tIns="45720" rIns="91440" bIns="45720" rtlCol="0"/>
+          <a:lstStyle>
+            <a:lvl1pPr algn="r">
+              <a:defRPr sz="1200"/>
+            </a:lvl1pPr>
+          </a:lstStyle>
+          <a:p>
+            <a:fld id="{10AD6D3D-B4DD-4EEC-9674-0262DD1808C6}" type="datetimeFigureOut">
+              <a:rPr lang="es-419" smtClean="0"/>
+              <a:t>15/1/2026</a:t>
+            </a:fld>
+            <a:endParaRPr lang="es-419"/>
+          </a:p>
+        </p:txBody>
+      </p:sp>
+      <p:sp>
+        <p:nvSpPr>
+          <p:cNvPr id="4" name="Marcador de imagen de diapositiva 3"/>
+          <p:cNvSpPr>
+            <a:spLocks noGrp="1" noRot="1" noChangeAspect="1"/>
+          </p:cNvSpPr>
+          <p:nvPr>
+            <p:ph type="sldImg" idx="2"/>
+          </p:nvPr>
+        </p:nvSpPr>
+        <p:spPr>
+          <a:xfrm>
+            <a:off x="685800" y="1143000"/>
+            <a:ext cx="5486400" cy="3086100"/>
+          </a:xfrm>
+          <a:prstGeom prst="rect">
+            <a:avLst/>
+          </a:prstGeom>
+          <a:noFill/>
+          <a:ln w="12700">
+            <a:solidFill>
+              <a:prstClr val="black"/>
+            </a:solidFill>
+          </a:ln>
+        </p:spPr>
+        <p:txBody>
+          <a:bodyPr vert="horz" lIns="91440" tIns="45720" rIns="91440" bIns="45720" rtlCol="0" anchor="ctr"/>
+          <a:lstStyle/>
+          <a:p>
+            <a:endParaRPr lang="es-419"/>
+          </a:p>
+        </p:txBody>
+      </p:sp>
+      <p:sp>
+        <p:nvSpPr>
+          <p:cNvPr id="5" name="Marcador de notas 4"/>
+          <p:cNvSpPr>
+            <a:spLocks noGrp="1"/>
+          </p:cNvSpPr>
+          <p:nvPr>
+            <p:ph type="body" sz="quarter" idx="3"/>
+          </p:nvPr>
+        </p:nvSpPr>
+        <p:spPr>
+          <a:xfrm>
+            <a:off x="685800" y="4400550"/>
+            <a:ext cx="5486400" cy="3600450"/>
+          </a:xfrm>
+          <a:prstGeom prst="rect">
+            <a:avLst/>
+          </a:prstGeom>
+        </p:spPr>
+        <p:txBody>
+          <a:bodyPr vert="horz" lIns="91440" tIns="45720" rIns="91440" bIns="45720" rtlCol="0"/>
+          <a:lstStyle/>
+          <a:p>
+            <a:pPr lvl="0"/>
+            <a:r>
+              <a:rPr lang="es-ES"/>
+              <a:t>Haga clic para modificar los estilos de texto del patrón</a:t>
+            </a:r>
+          </a:p>
+          <a:p>
+            <a:pPr lvl="1"/>
+            <a:r>
+              <a:rPr lang="es-ES"/>
+              <a:t>Segundo nivel</a:t>
+            </a:r>
+          </a:p>
+          <a:p>
+            <a:pPr lvl="2"/>
+            <a:r>
+              <a:rPr lang="es-ES"/>
+              <a:t>Tercer nivel</a:t>
+            </a:r>
+          </a:p>
+          <a:p>
+            <a:pPr lvl="3"/>
+            <a:r>
+              <a:rPr lang="es-ES"/>
+              <a:t>Cuarto nivel</a:t>
+            </a:r>
+          </a:p>
+          <a:p>
+            <a:pPr lvl="4"/>
+            <a:r>
+              <a:rPr lang="es-ES"/>
+              <a:t>Quinto nivel</a:t>
+            </a:r>
+            <a:endParaRPr lang="es-419"/>
+          </a:p>
+        </p:txBody>
+      </p:sp>
+      <p:sp>
+        <p:nvSpPr>
+          <p:cNvPr id="6" name="Marcador de pie de página 5"/>
+          <p:cNvSpPr>
+            <a:spLocks noGrp="1"/>
+          </p:cNvSpPr>
+          <p:nvPr>
+            <p:ph type="ftr" sz="quarter" idx="4"/>
+          </p:nvPr>
+        </p:nvSpPr>
+        <p:spPr>
+          <a:xfrm>
+            <a:off x="0" y="8685213"/>
+            <a:ext cx="2971800" cy="458787"/>
+          </a:xfrm>
+          <a:prstGeom prst="rect">
+            <a:avLst/>
+          </a:prstGeom>
+        </p:spPr>
+        <p:txBody>
+          <a:bodyPr vert="horz" lIns="91440" tIns="45720" rIns="91440" bIns="45720" rtlCol="0" anchor="b"/>
+          <a:lstStyle>
+            <a:lvl1pPr algn="l">
+              <a:defRPr sz="1200"/>
+            </a:lvl1pPr>
+          </a:lstStyle>
+          <a:p>
+            <a:endParaRPr lang="es-419"/>
+          </a:p>
+        </p:txBody>
+      </p:sp>
+      <p:sp>
+        <p:nvSpPr>
+          <p:cNvPr id="7" name="Marcador de número de diapositiva 6"/>
+          <p:cNvSpPr>
+            <a:spLocks noGrp="1"/>
+          </p:cNvSpPr>
+          <p:nvPr>
+            <p:ph type="sldNum" sz="quarter" idx="5"/>
+          </p:nvPr>
+        </p:nvSpPr>
+        <p:spPr>
+          <a:xfrm>
+            <a:off x="3884613" y="8685213"/>
+            <a:ext cx="2971800" cy="458787"/>
+          </a:xfrm>
+          <a:prstGeom prst="rect">
+            <a:avLst/>
+          </a:prstGeom>
+        </p:spPr>
+        <p:txBody>
+          <a:bodyPr vert="horz" lIns="91440" tIns="45720" rIns="91440" bIns="45720" rtlCol="0" anchor="b"/>
+          <a:lstStyle>
+            <a:lvl1pPr algn="r">
+              <a:defRPr sz="1200"/>
+            </a:lvl1pPr>
+          </a:lstStyle>
+          <a:p>
+            <a:fld id="{C71C155B-D00F-4911-A8EE-A0E1BE4D64FC}" type="slidenum">
+              <a:rPr lang="es-419" smtClean="0"/>
+              <a:t>‹Nº›</a:t>
+            </a:fld>
+            <a:endParaRPr lang="es-419"/>
+          </a:p>
+        </p:txBody>
+      </p:sp>
+    </p:spTree>
+    <p:extLst>
+      <p:ext uri="{BB962C8B-B14F-4D97-AF65-F5344CB8AC3E}">
+        <p14:creationId xmlns:p14="http://schemas.microsoft.com/office/powerpoint/2010/main" val="976630741"/>
+      </p:ext>
+    </p:extLst>
+  </p:cSld>
+  <p:clrMap bg1="lt1" tx1="dk1" bg2="lt2" tx2="dk2" accent1="accent1" accent2="accent2" accent3="accent3" accent4="accent4" accent5="accent5" accent6="accent6" hlink="hlink" folHlink="folHlink"/>
+  <p:notesStyle>
+    <a:lvl1pPr marL="0" algn="l" defTabSz="914400" rtl="0" eaLnBrk="1" latinLnBrk="0" hangingPunct="1">
+      <a:defRPr sz="1200" kern="1200">
+        <a:solidFill>
+          <a:schemeClr val="tx1"/>
+        </a:solidFill>
+        <a:latin typeface="+mn-lt"/>
+        <a:ea typeface="+mn-ea"/>
+        <a:cs typeface="+mn-cs"/>
+      </a:defRPr>
+    </a:lvl1pPr>
+    <a:lvl2pPr marL="457200" algn="l" defTabSz="914400" rtl="0" eaLnBrk="1" latinLnBrk="0" hangingPunct="1">
+      <a:defRPr sz="1200" kern="1200">
+        <a:solidFill>
+          <a:schemeClr val="tx1"/>
+        </a:solidFill>
+        <a:latin typeface="+mn-lt"/>
+        <a:ea typeface="+mn-ea"/>
+        <a:cs typeface="+mn-cs"/>
+      </a:defRPr>
+    </a:lvl2pPr>
+    <a:lvl3pPr marL="914400" algn="l" defTabSz="914400" rtl="0" eaLnBrk="1" latinLnBrk="0" hangingPunct="1">
+      <a:defRPr sz="1200" kern="1200">
+        <a:solidFill>
+          <a:schemeClr val="tx1"/>
+        </a:solidFill>
+        <a:latin typeface="+mn-lt"/>
+        <a:ea typeface="+mn-ea"/>
+        <a:cs typeface="+mn-cs"/>
+      </a:defRPr>
+    </a:lvl3pPr>
+    <a:lvl4pPr marL="1371600" algn="l" defTabSz="914400" rtl="0" eaLnBrk="1" latinLnBrk="0" hangingPunct="1">
+      <a:defRPr sz="1200" kern="1200">
+        <a:solidFill>
+          <a:schemeClr val="tx1"/>
+        </a:solidFill>
+        <a:latin typeface="+mn-lt"/>
+        <a:ea typeface="+mn-ea"/>
+        <a:cs typeface="+mn-cs"/>
+      </a:defRPr>
+    </a:lvl4pPr>
+    <a:lvl5pPr marL="1828800" algn="l" defTabSz="914400" rtl="0" eaLnBrk="1" latinLnBrk="0" hangingPunct="1">
+      <a:defRPr sz="1200" kern="1200">
+        <a:solidFill>
+          <a:schemeClr val="tx1"/>
+        </a:solidFill>
+        <a:latin typeface="+mn-lt"/>
+        <a:ea typeface="+mn-ea"/>
+        <a:cs typeface="+mn-cs"/>
+      </a:defRPr>
+    </a:lvl5pPr>
+    <a:lvl6pPr marL="2286000" algn="l" defTabSz="914400" rtl="0" eaLnBrk="1" latinLnBrk="0" hangingPunct="1">
+      <a:defRPr sz="1200" kern="1200">
+        <a:solidFill>
+          <a:schemeClr val="tx1"/>
+        </a:solidFill>
+        <a:latin typeface="+mn-lt"/>
+        <a:ea typeface="+mn-ea"/>
+        <a:cs typeface="+mn-cs"/>
+      </a:defRPr>
+    </a:lvl6pPr>
+    <a:lvl7pPr marL="2743200" algn="l" defTabSz="914400" rtl="0" eaLnBrk="1" latinLnBrk="0" hangingPunct="1">
+      <a:defRPr sz="1200" kern="1200">
+        <a:solidFill>
+          <a:schemeClr val="tx1"/>
+        </a:solidFill>
+        <a:latin typeface="+mn-lt"/>
+        <a:ea typeface="+mn-ea"/>
+        <a:cs typeface="+mn-cs"/>
+      </a:defRPr>
+    </a:lvl7pPr>
+    <a:lvl8pPr marL="3200400" algn="l" defTabSz="914400" rtl="0" eaLnBrk="1" latinLnBrk="0" hangingPunct="1">
+      <a:defRPr sz="1200" kern="1200">
+        <a:solidFill>
+          <a:schemeClr val="tx1"/>
+        </a:solidFill>
+        <a:latin typeface="+mn-lt"/>
+        <a:ea typeface="+mn-ea"/>
+        <a:cs typeface="+mn-cs"/>
+      </a:defRPr>
+    </a:lvl8pPr>
+    <a:lvl9pPr marL="3657600" algn="l" defTabSz="914400" rtl="0" eaLnBrk="1" latinLnBrk="0" hangingPunct="1">
+      <a:defRPr sz="1200" kern="1200">
+        <a:solidFill>
+          <a:schemeClr val="tx1"/>
+        </a:solidFill>
+        <a:latin typeface="+mn-lt"/>
+        <a:ea typeface="+mn-ea"/>
+        <a:cs typeface="+mn-cs"/>
+      </a:defRPr>
+    </a:lvl9pPr>
+  </p:notesStyle>
+</p:notesMaster>
+</file>
+
+<file path=ppt/notesSlides/notesSlide1.xml><?xml version="1.0" encoding="utf-8"?>
+<p:notes xmlns:a="http://schemas.openxmlformats.org/drawingml/2006/main" xmlns:r="http://schemas.openxmlformats.org/officeDocument/2006/relationships" xmlns:p="http://schemas.openxmlformats.org/presentationml/2006/main">
+  <p:cSld>
+    <p:spTree>
+      <p:nvGrpSpPr>
+        <p:cNvPr id="1" name=""/>
+        <p:cNvGrpSpPr/>
+        <p:nvPr/>
+      </p:nvGrpSpPr>
+      <p:grpSpPr>
+        <a:xfrm>
+          <a:off x="0" y="0"/>
+          <a:ext cx="0" cy="0"/>
+          <a:chOff x="0" y="0"/>
+          <a:chExt cx="0" cy="0"/>
+        </a:xfrm>
+      </p:grpSpPr>
+      <p:sp>
+        <p:nvSpPr>
+          <p:cNvPr id="2" name="Marcador de imagen de diapositiva 1"/>
+          <p:cNvSpPr>
+            <a:spLocks noGrp="1" noRot="1" noChangeAspect="1"/>
+          </p:cNvSpPr>
+          <p:nvPr>
+            <p:ph type="sldImg"/>
+          </p:nvPr>
+        </p:nvSpPr>
+        <p:spPr/>
+      </p:sp>
+      <p:sp>
+        <p:nvSpPr>
+          <p:cNvPr id="3" name="Marcador de notas 2"/>
+          <p:cNvSpPr>
+            <a:spLocks noGrp="1"/>
+          </p:cNvSpPr>
+          <p:nvPr>
+            <p:ph type="body" idx="1"/>
+          </p:nvPr>
+        </p:nvSpPr>
+        <p:spPr/>
+        <p:txBody>
+          <a:bodyPr/>
+          <a:lstStyle/>
+          <a:p>
+            <a:r>
+              <a:rPr lang="en-US" dirty="0"/>
+              <a:t>John Gilbert - Software Architecture Patterns for Serverless Systems_ Architecting for innovation with event-driven microservices (2024, </a:t>
+            </a:r>
+            <a:r>
+              <a:rPr lang="en-US" dirty="0" err="1"/>
+              <a:t>Packt</a:t>
+            </a:r>
+            <a:r>
+              <a:rPr lang="en-US" dirty="0"/>
+              <a:t>)</a:t>
+            </a:r>
+            <a:endParaRPr lang="es-419" dirty="0"/>
+          </a:p>
+        </p:txBody>
+      </p:sp>
+      <p:sp>
+        <p:nvSpPr>
+          <p:cNvPr id="4" name="Marcador de número de diapositiva 3"/>
+          <p:cNvSpPr>
+            <a:spLocks noGrp="1"/>
+          </p:cNvSpPr>
+          <p:nvPr>
+            <p:ph type="sldNum" sz="quarter" idx="5"/>
+          </p:nvPr>
+        </p:nvSpPr>
+        <p:spPr/>
+        <p:txBody>
+          <a:bodyPr/>
+          <a:lstStyle/>
+          <a:p>
+            <a:fld id="{C71C155B-D00F-4911-A8EE-A0E1BE4D64FC}" type="slidenum">
+              <a:rPr lang="es-419" smtClean="0"/>
+              <a:t>5</a:t>
+            </a:fld>
+            <a:endParaRPr lang="es-419"/>
+          </a:p>
+        </p:txBody>
+      </p:sp>
+    </p:spTree>
+    <p:extLst>
+      <p:ext uri="{BB962C8B-B14F-4D97-AF65-F5344CB8AC3E}">
+        <p14:creationId xmlns:p14="http://schemas.microsoft.com/office/powerpoint/2010/main" val="2289182959"/>
+      </p:ext>
+    </p:extLst>
+  </p:cSld>
+  <p:clrMapOvr>
+    <a:masterClrMapping/>
+  </p:clrMapOvr>
+</p:notes>
+</file>
+
 <file path=ppt/slideLayouts/slideLayout1.xml><?xml version="1.0" encoding="utf-8"?>
 <p:sldLayout xmlns:a="http://schemas.openxmlformats.org/drawingml/2006/main" xmlns:r="http://schemas.openxmlformats.org/officeDocument/2006/relationships" xmlns:p="http://schemas.openxmlformats.org/presentationml/2006/main" type="title" preserve="1">
   <p:cSld name="Diapositiva de título">
@@ -7606,7 +7802,7 @@
           <a:p>
             <a:fld id="{6B86245D-015E-46AE-96CC-32E8A5E9A1DF}" type="datetimeFigureOut">
               <a:rPr lang="es-CO" smtClean="0"/>
-              <a:t>15/07/2025</a:t>
+              <a:t>15/01/2026</a:t>
             </a:fld>
             <a:endParaRPr lang="es-CO"/>
           </a:p>
@@ -7776,7 +7972,7 @@
           <a:p>
             <a:fld id="{6B86245D-015E-46AE-96CC-32E8A5E9A1DF}" type="datetimeFigureOut">
               <a:rPr lang="es-CO" smtClean="0"/>
-              <a:t>15/07/2025</a:t>
+              <a:t>15/01/2026</a:t>
             </a:fld>
             <a:endParaRPr lang="es-CO"/>
           </a:p>
@@ -7956,7 +8152,7 @@
           <a:p>
             <a:fld id="{6B86245D-015E-46AE-96CC-32E8A5E9A1DF}" type="datetimeFigureOut">
               <a:rPr lang="es-CO" smtClean="0"/>
-              <a:t>15/07/2025</a:t>
+              <a:t>15/01/2026</a:t>
             </a:fld>
             <a:endParaRPr lang="es-CO"/>
           </a:p>
@@ -9252,7 +9448,7 @@
           <a:p>
             <a:fld id="{6B86245D-015E-46AE-96CC-32E8A5E9A1DF}" type="datetimeFigureOut">
               <a:rPr lang="es-CO" smtClean="0"/>
-              <a:t>15/07/2025</a:t>
+              <a:t>15/01/2026</a:t>
             </a:fld>
             <a:endParaRPr lang="es-CO"/>
           </a:p>
@@ -10215,7 +10411,7 @@
           <a:p>
             <a:fld id="{6B86245D-015E-46AE-96CC-32E8A5E9A1DF}" type="datetimeFigureOut">
               <a:rPr lang="es-CO" smtClean="0"/>
-              <a:t>15/07/2025</a:t>
+              <a:t>15/01/2026</a:t>
             </a:fld>
             <a:endParaRPr lang="es-CO"/>
           </a:p>
@@ -10482,7 +10678,7 @@
           <a:p>
             <a:fld id="{6B86245D-015E-46AE-96CC-32E8A5E9A1DF}" type="datetimeFigureOut">
               <a:rPr lang="es-CO" smtClean="0"/>
-              <a:t>15/07/2025</a:t>
+              <a:t>15/01/2026</a:t>
             </a:fld>
             <a:endParaRPr lang="es-CO"/>
           </a:p>
@@ -10728,7 +10924,7 @@
           <a:p>
             <a:fld id="{6B86245D-015E-46AE-96CC-32E8A5E9A1DF}" type="datetimeFigureOut">
               <a:rPr lang="es-CO" smtClean="0"/>
-              <a:t>15/07/2025</a:t>
+              <a:t>15/01/2026</a:t>
             </a:fld>
             <a:endParaRPr lang="es-CO"/>
           </a:p>
@@ -10898,7 +11094,7 @@
           <a:p>
             <a:fld id="{6B86245D-015E-46AE-96CC-32E8A5E9A1DF}" type="datetimeFigureOut">
               <a:rPr lang="es-CO" smtClean="0"/>
-              <a:t>15/07/2025</a:t>
+              <a:t>15/01/2026</a:t>
             </a:fld>
             <a:endParaRPr lang="es-CO"/>
           </a:p>
@@ -11130,7 +11326,7 @@
           <a:p>
             <a:fld id="{6B86245D-015E-46AE-96CC-32E8A5E9A1DF}" type="datetimeFigureOut">
               <a:rPr lang="es-CO" smtClean="0"/>
-              <a:t>15/07/2025</a:t>
+              <a:t>15/01/2026</a:t>
             </a:fld>
             <a:endParaRPr lang="es-CO"/>
           </a:p>
@@ -11322,7 +11518,7 @@
           <a:p>
             <a:fld id="{6B86245D-015E-46AE-96CC-32E8A5E9A1DF}" type="datetimeFigureOut">
               <a:rPr lang="es-CO" smtClean="0"/>
-              <a:t>15/07/2025</a:t>
+              <a:t>15/01/2026</a:t>
             </a:fld>
             <a:endParaRPr lang="es-CO"/>
           </a:p>
@@ -11554,7 +11750,7 @@
           <a:p>
             <a:fld id="{6B86245D-015E-46AE-96CC-32E8A5E9A1DF}" type="datetimeFigureOut">
               <a:rPr lang="es-CO" smtClean="0"/>
-              <a:t>15/07/2025</a:t>
+              <a:t>15/01/2026</a:t>
             </a:fld>
             <a:endParaRPr lang="es-CO"/>
           </a:p>
@@ -11921,7 +12117,7 @@
           <a:p>
             <a:fld id="{6B86245D-015E-46AE-96CC-32E8A5E9A1DF}" type="datetimeFigureOut">
               <a:rPr lang="es-CO" smtClean="0"/>
-              <a:t>15/07/2025</a:t>
+              <a:t>15/01/2026</a:t>
             </a:fld>
             <a:endParaRPr lang="es-CO"/>
           </a:p>
@@ -12039,7 +12235,7 @@
           <a:p>
             <a:fld id="{6B86245D-015E-46AE-96CC-32E8A5E9A1DF}" type="datetimeFigureOut">
               <a:rPr lang="es-CO" smtClean="0"/>
-              <a:t>15/07/2025</a:t>
+              <a:t>15/01/2026</a:t>
             </a:fld>
             <a:endParaRPr lang="es-CO"/>
           </a:p>
@@ -12134,7 +12330,7 @@
           <a:p>
             <a:fld id="{6B86245D-015E-46AE-96CC-32E8A5E9A1DF}" type="datetimeFigureOut">
               <a:rPr lang="es-CO" smtClean="0"/>
-              <a:t>15/07/2025</a:t>
+              <a:t>15/01/2026</a:t>
             </a:fld>
             <a:endParaRPr lang="es-CO"/>
           </a:p>
@@ -12411,7 +12607,7 @@
           <a:p>
             <a:fld id="{6B86245D-015E-46AE-96CC-32E8A5E9A1DF}" type="datetimeFigureOut">
               <a:rPr lang="es-CO" smtClean="0"/>
-              <a:t>15/07/2025</a:t>
+              <a:t>15/01/2026</a:t>
             </a:fld>
             <a:endParaRPr lang="es-CO"/>
           </a:p>
@@ -12668,7 +12864,7 @@
           <a:p>
             <a:fld id="{6B86245D-015E-46AE-96CC-32E8A5E9A1DF}" type="datetimeFigureOut">
               <a:rPr lang="es-CO" smtClean="0"/>
-              <a:t>15/07/2025</a:t>
+              <a:t>15/01/2026</a:t>
             </a:fld>
             <a:endParaRPr lang="es-CO"/>
           </a:p>
@@ -12890,7 +13086,7 @@
           <a:p>
             <a:fld id="{6B86245D-015E-46AE-96CC-32E8A5E9A1DF}" type="datetimeFigureOut">
               <a:rPr lang="es-CO" smtClean="0"/>
-              <a:t>15/07/2025</a:t>
+              <a:t>15/01/2026</a:t>
             </a:fld>
             <a:endParaRPr lang="es-CO"/>
           </a:p>
@@ -16446,7 +16642,7 @@
     <p:bg>
       <p:bgPr>
         <a:blipFill dpi="0" rotWithShape="1">
-          <a:blip r:embed="rId3">
+          <a:blip r:embed="rId4">
             <a:lum/>
           </a:blip>
           <a:srcRect/>
@@ -16511,18 +16707,18 @@
           <p:nvPr>
             <p:extLst>
               <p:ext uri="{D42A27DB-BD31-4B8C-83A1-F6EECF244321}">
-                <p14:modId xmlns:p14="http://schemas.microsoft.com/office/powerpoint/2010/main" val="3829296534"/>
+                <p14:modId xmlns:p14="http://schemas.microsoft.com/office/powerpoint/2010/main" val="1555189747"/>
               </p:ext>
             </p:extLst>
           </p:nvPr>
         </p:nvGraphicFramePr>
         <p:xfrm>
-          <a:off x="663075" y="1683245"/>
-          <a:ext cx="4855408" cy="4855262"/>
+          <a:off x="663075" y="2019300"/>
+          <a:ext cx="4855408" cy="5166385"/>
         </p:xfrm>
         <a:graphic>
           <a:graphicData uri="http://schemas.openxmlformats.org/drawingml/2006/diagram">
-            <dgm:relIds xmlns:dgm="http://schemas.openxmlformats.org/drawingml/2006/diagram" xmlns:r="http://schemas.openxmlformats.org/officeDocument/2006/relationships" r:dm="rId4" r:lo="rId5" r:qs="rId6" r:cs="rId7"/>
+            <dgm:relIds xmlns:dgm="http://schemas.openxmlformats.org/drawingml/2006/diagram" xmlns:r="http://schemas.openxmlformats.org/officeDocument/2006/relationships" r:dm="rId5" r:lo="rId6" r:qs="rId7" r:cs="rId8"/>
           </a:graphicData>
         </a:graphic>
       </p:graphicFrame>
@@ -16539,7 +16735,7 @@
           <p:nvPr>
             <p:extLst>
               <p:ext uri="{D42A27DB-BD31-4B8C-83A1-F6EECF244321}">
-                <p14:modId xmlns:p14="http://schemas.microsoft.com/office/powerpoint/2010/main" val="3997944419"/>
+                <p14:modId xmlns:p14="http://schemas.microsoft.com/office/powerpoint/2010/main" val="2735549087"/>
               </p:ext>
             </p:extLst>
           </p:nvPr>
@@ -16550,7 +16746,7 @@
         </p:xfrm>
         <a:graphic>
           <a:graphicData uri="http://schemas.openxmlformats.org/drawingml/2006/diagram">
-            <dgm:relIds xmlns:dgm="http://schemas.openxmlformats.org/drawingml/2006/diagram" xmlns:r="http://schemas.openxmlformats.org/officeDocument/2006/relationships" r:dm="rId9" r:lo="rId10" r:qs="rId11" r:cs="rId12"/>
+            <dgm:relIds xmlns:dgm="http://schemas.openxmlformats.org/drawingml/2006/diagram" xmlns:r="http://schemas.openxmlformats.org/officeDocument/2006/relationships" r:dm="rId10" r:lo="rId11" r:qs="rId12" r:cs="rId13"/>
           </a:graphicData>
         </a:graphic>
       </p:graphicFrame>
@@ -16845,7 +17041,7 @@
                                         <p:tgtEl>
                                           <p:spTgt spid="5">
                                             <p:graphicEl>
-                                              <a:dgm id="{B0D04FAC-DFE1-44AF-BAD0-81A5EE118757}"/>
+                                              <a:dgm id="{9105B5D0-D0A4-4882-B1B3-7F8FB7D63E78}"/>
                                             </p:graphicEl>
                                           </p:spTgt>
                                         </p:tgtEl>
@@ -16894,7 +17090,7 @@
                                         <p:tgtEl>
                                           <p:spTgt spid="5">
                                             <p:graphicEl>
-                                              <a:dgm id="{92722FD8-C4A9-4ED5-9441-E4EA9B875C21}"/>
+                                              <a:dgm id="{A06EF008-76DC-4523-97B8-CCB0E834327F}"/>
                                             </p:graphicEl>
                                           </p:spTgt>
                                         </p:tgtEl>
@@ -16943,7 +17139,7 @@
                                         <p:tgtEl>
                                           <p:spTgt spid="5">
                                             <p:graphicEl>
-                                              <a:dgm id="{9105B5D0-D0A4-4882-B1B3-7F8FB7D63E78}"/>
+                                              <a:dgm id="{47E65D26-5D15-4ADD-B5B4-95521DEBC97A}"/>
                                             </p:graphicEl>
                                           </p:spTgt>
                                         </p:tgtEl>
@@ -16990,9 +17186,9 @@
                                           </p:stCondLst>
                                         </p:cTn>
                                         <p:tgtEl>
-                                          <p:spTgt spid="5">
+                                          <p:spTgt spid="6">
                                             <p:graphicEl>
-                                              <a:dgm id="{A06EF008-76DC-4523-97B8-CCB0E834327F}"/>
+                                              <a:dgm id="{605CE3A6-3A5E-46C9-831E-738BAB9DA934}"/>
                                             </p:graphicEl>
                                           </p:spTgt>
                                         </p:tgtEl>
@@ -17039,104 +17235,6 @@
                                           </p:stCondLst>
                                         </p:cTn>
                                         <p:tgtEl>
-                                          <p:spTgt spid="5">
-                                            <p:graphicEl>
-                                              <a:dgm id="{47E65D26-5D15-4ADD-B5B4-95521DEBC97A}"/>
-                                            </p:graphicEl>
-                                          </p:spTgt>
-                                        </p:tgtEl>
-                                        <p:attrNameLst>
-                                          <p:attrName>style.visibility</p:attrName>
-                                        </p:attrNameLst>
-                                      </p:cBhvr>
-                                      <p:to>
-                                        <p:strVal val="visible"/>
-                                      </p:to>
-                                    </p:set>
-                                  </p:childTnLst>
-                                </p:cTn>
-                              </p:par>
-                            </p:childTnLst>
-                          </p:cTn>
-                        </p:par>
-                      </p:childTnLst>
-                    </p:cTn>
-                  </p:par>
-                  <p:par>
-                    <p:cTn id="43" fill="hold">
-                      <p:stCondLst>
-                        <p:cond delay="indefinite"/>
-                      </p:stCondLst>
-                      <p:childTnLst>
-                        <p:par>
-                          <p:cTn id="44" fill="hold">
-                            <p:stCondLst>
-                              <p:cond delay="0"/>
-                            </p:stCondLst>
-                            <p:childTnLst>
-                              <p:par>
-                                <p:cTn id="45" presetID="1" presetClass="entr" presetSubtype="0" fill="hold" grpId="0" nodeType="clickEffect">
-                                  <p:stCondLst>
-                                    <p:cond delay="0"/>
-                                  </p:stCondLst>
-                                  <p:childTnLst>
-                                    <p:set>
-                                      <p:cBhvr>
-                                        <p:cTn id="46" dur="1" fill="hold">
-                                          <p:stCondLst>
-                                            <p:cond delay="0"/>
-                                          </p:stCondLst>
-                                        </p:cTn>
-                                        <p:tgtEl>
-                                          <p:spTgt spid="6">
-                                            <p:graphicEl>
-                                              <a:dgm id="{605CE3A6-3A5E-46C9-831E-738BAB9DA934}"/>
-                                            </p:graphicEl>
-                                          </p:spTgt>
-                                        </p:tgtEl>
-                                        <p:attrNameLst>
-                                          <p:attrName>style.visibility</p:attrName>
-                                        </p:attrNameLst>
-                                      </p:cBhvr>
-                                      <p:to>
-                                        <p:strVal val="visible"/>
-                                      </p:to>
-                                    </p:set>
-                                  </p:childTnLst>
-                                </p:cTn>
-                              </p:par>
-                            </p:childTnLst>
-                          </p:cTn>
-                        </p:par>
-                      </p:childTnLst>
-                    </p:cTn>
-                  </p:par>
-                  <p:par>
-                    <p:cTn id="47" fill="hold">
-                      <p:stCondLst>
-                        <p:cond delay="indefinite"/>
-                      </p:stCondLst>
-                      <p:childTnLst>
-                        <p:par>
-                          <p:cTn id="48" fill="hold">
-                            <p:stCondLst>
-                              <p:cond delay="0"/>
-                            </p:stCondLst>
-                            <p:childTnLst>
-                              <p:par>
-                                <p:cTn id="49" presetID="1" presetClass="entr" presetSubtype="0" fill="hold" grpId="0" nodeType="clickEffect">
-                                  <p:stCondLst>
-                                    <p:cond delay="0"/>
-                                  </p:stCondLst>
-                                  <p:childTnLst>
-                                    <p:set>
-                                      <p:cBhvr>
-                                        <p:cTn id="50" dur="1" fill="hold">
-                                          <p:stCondLst>
-                                            <p:cond delay="0"/>
-                                          </p:stCondLst>
-                                        </p:cTn>
-                                        <p:tgtEl>
                                           <p:spTgt spid="6">
                                             <p:graphicEl>
                                               <a:dgm id="{EB0AF5A9-DC82-4A90-9606-8D7AE1529A5B}"/>
@@ -17155,14 +17253,14 @@
                                 </p:cTn>
                               </p:par>
                               <p:par>
-                                <p:cTn id="51" presetID="1" presetClass="entr" presetSubtype="0" fill="hold" grpId="0" nodeType="withEffect">
+                                <p:cTn id="43" presetID="1" presetClass="entr" presetSubtype="0" fill="hold" grpId="0" nodeType="withEffect">
                                   <p:stCondLst>
                                     <p:cond delay="0"/>
                                   </p:stCondLst>
                                   <p:childTnLst>
                                     <p:set>
                                       <p:cBhvr>
-                                        <p:cTn id="52" dur="1" fill="hold">
+                                        <p:cTn id="44" dur="1" fill="hold">
                                           <p:stCondLst>
                                             <p:cond delay="0"/>
                                           </p:stCondLst>
@@ -17192,26 +17290,26 @@
                     </p:cTn>
                   </p:par>
                   <p:par>
-                    <p:cTn id="53" fill="hold">
+                    <p:cTn id="45" fill="hold">
                       <p:stCondLst>
                         <p:cond delay="indefinite"/>
                       </p:stCondLst>
                       <p:childTnLst>
                         <p:par>
-                          <p:cTn id="54" fill="hold">
+                          <p:cTn id="46" fill="hold">
                             <p:stCondLst>
                               <p:cond delay="0"/>
                             </p:stCondLst>
                             <p:childTnLst>
                               <p:par>
-                                <p:cTn id="55" presetID="1" presetClass="entr" presetSubtype="0" fill="hold" grpId="0" nodeType="clickEffect">
+                                <p:cTn id="47" presetID="1" presetClass="entr" presetSubtype="0" fill="hold" grpId="0" nodeType="clickEffect">
                                   <p:stCondLst>
                                     <p:cond delay="0"/>
                                   </p:stCondLst>
                                   <p:childTnLst>
                                     <p:set>
                                       <p:cBhvr>
-                                        <p:cTn id="56" dur="1" fill="hold">
+                                        <p:cTn id="48" dur="1" fill="hold">
                                           <p:stCondLst>
                                             <p:cond delay="0"/>
                                           </p:stCondLst>
@@ -17235,14 +17333,14 @@
                                 </p:cTn>
                               </p:par>
                               <p:par>
-                                <p:cTn id="57" presetID="1" presetClass="entr" presetSubtype="0" fill="hold" grpId="0" nodeType="withEffect">
+                                <p:cTn id="49" presetID="1" presetClass="entr" presetSubtype="0" fill="hold" grpId="0" nodeType="withEffect">
                                   <p:stCondLst>
                                     <p:cond delay="0"/>
                                   </p:stCondLst>
                                   <p:childTnLst>
                                     <p:set>
                                       <p:cBhvr>
-                                        <p:cTn id="58" dur="1" fill="hold">
+                                        <p:cTn id="50" dur="1" fill="hold">
                                           <p:stCondLst>
                                             <p:cond delay="0"/>
                                           </p:stCondLst>
@@ -17272,26 +17370,26 @@
                     </p:cTn>
                   </p:par>
                   <p:par>
-                    <p:cTn id="59" fill="hold">
+                    <p:cTn id="51" fill="hold">
                       <p:stCondLst>
                         <p:cond delay="indefinite"/>
                       </p:stCondLst>
                       <p:childTnLst>
                         <p:par>
-                          <p:cTn id="60" fill="hold">
+                          <p:cTn id="52" fill="hold">
                             <p:stCondLst>
                               <p:cond delay="0"/>
                             </p:stCondLst>
                             <p:childTnLst>
                               <p:par>
-                                <p:cTn id="61" presetID="1" presetClass="entr" presetSubtype="0" fill="hold" grpId="0" nodeType="clickEffect">
+                                <p:cTn id="53" presetID="1" presetClass="entr" presetSubtype="0" fill="hold" grpId="0" nodeType="clickEffect">
                                   <p:stCondLst>
                                     <p:cond delay="0"/>
                                   </p:stCondLst>
                                   <p:childTnLst>
                                     <p:set>
                                       <p:cBhvr>
-                                        <p:cTn id="62" dur="1" fill="hold">
+                                        <p:cTn id="54" dur="1" fill="hold">
                                           <p:stCondLst>
                                             <p:cond delay="0"/>
                                           </p:stCondLst>
@@ -17315,14 +17413,14 @@
                                 </p:cTn>
                               </p:par>
                               <p:par>
-                                <p:cTn id="63" presetID="1" presetClass="entr" presetSubtype="0" fill="hold" grpId="0" nodeType="withEffect">
+                                <p:cTn id="55" presetID="1" presetClass="entr" presetSubtype="0" fill="hold" grpId="0" nodeType="withEffect">
                                   <p:stCondLst>
                                     <p:cond delay="0"/>
                                   </p:stCondLst>
                                   <p:childTnLst>
                                     <p:set>
                                       <p:cBhvr>
-                                        <p:cTn id="64" dur="1" fill="hold">
+                                        <p:cTn id="56" dur="1" fill="hold">
                                           <p:stCondLst>
                                             <p:cond delay="0"/>
                                           </p:stCondLst>
@@ -17352,26 +17450,26 @@
                     </p:cTn>
                   </p:par>
                   <p:par>
-                    <p:cTn id="65" fill="hold">
+                    <p:cTn id="57" fill="hold">
                       <p:stCondLst>
                         <p:cond delay="indefinite"/>
                       </p:stCondLst>
                       <p:childTnLst>
                         <p:par>
-                          <p:cTn id="66" fill="hold">
+                          <p:cTn id="58" fill="hold">
                             <p:stCondLst>
                               <p:cond delay="0"/>
                             </p:stCondLst>
                             <p:childTnLst>
                               <p:par>
-                                <p:cTn id="67" presetID="1" presetClass="entr" presetSubtype="0" fill="hold" grpId="0" nodeType="clickEffect">
+                                <p:cTn id="59" presetID="1" presetClass="entr" presetSubtype="0" fill="hold" grpId="0" nodeType="clickEffect">
                                   <p:stCondLst>
                                     <p:cond delay="0"/>
                                   </p:stCondLst>
                                   <p:childTnLst>
                                     <p:set>
                                       <p:cBhvr>
-                                        <p:cTn id="68" dur="1" fill="hold">
+                                        <p:cTn id="60" dur="1" fill="hold">
                                           <p:stCondLst>
                                             <p:cond delay="0"/>
                                           </p:stCondLst>
@@ -17395,14 +17493,14 @@
                                 </p:cTn>
                               </p:par>
                               <p:par>
-                                <p:cTn id="69" presetID="1" presetClass="entr" presetSubtype="0" fill="hold" grpId="0" nodeType="withEffect">
+                                <p:cTn id="61" presetID="1" presetClass="entr" presetSubtype="0" fill="hold" grpId="0" nodeType="withEffect">
                                   <p:stCondLst>
                                     <p:cond delay="0"/>
                                   </p:stCondLst>
                                   <p:childTnLst>
                                     <p:set>
                                       <p:cBhvr>
-                                        <p:cTn id="70" dur="1" fill="hold">
+                                        <p:cTn id="62" dur="1" fill="hold">
                                           <p:stCondLst>
                                             <p:cond delay="0"/>
                                           </p:stCondLst>
@@ -20461,6 +20559,301 @@
 </a:theme>
 </file>
 
+<file path=ppt/theme/theme3.xml><?xml version="1.0" encoding="utf-8"?>
+<a:theme xmlns:a="http://schemas.openxmlformats.org/drawingml/2006/main" name="Tema de Office">
+  <a:themeElements>
+    <a:clrScheme name="Office">
+      <a:dk1>
+        <a:sysClr val="windowText" lastClr="000000"/>
+      </a:dk1>
+      <a:lt1>
+        <a:sysClr val="window" lastClr="FFFFFF"/>
+      </a:lt1>
+      <a:dk2>
+        <a:srgbClr val="44546A"/>
+      </a:dk2>
+      <a:lt2>
+        <a:srgbClr val="E7E6E6"/>
+      </a:lt2>
+      <a:accent1>
+        <a:srgbClr val="4472C4"/>
+      </a:accent1>
+      <a:accent2>
+        <a:srgbClr val="ED7D31"/>
+      </a:accent2>
+      <a:accent3>
+        <a:srgbClr val="A5A5A5"/>
+      </a:accent3>
+      <a:accent4>
+        <a:srgbClr val="FFC000"/>
+      </a:accent4>
+      <a:accent5>
+        <a:srgbClr val="5B9BD5"/>
+      </a:accent5>
+      <a:accent6>
+        <a:srgbClr val="70AD47"/>
+      </a:accent6>
+      <a:hlink>
+        <a:srgbClr val="0563C1"/>
+      </a:hlink>
+      <a:folHlink>
+        <a:srgbClr val="954F72"/>
+      </a:folHlink>
+    </a:clrScheme>
+    <a:fontScheme name="Office">
+      <a:majorFont>
+        <a:latin typeface="Calibri Light" panose="020F0302020204030204"/>
+        <a:ea typeface=""/>
+        <a:cs typeface=""/>
+        <a:font script="Jpan" typeface="游ゴシック Light"/>
+        <a:font script="Hang" typeface="맑은 고딕"/>
+        <a:font script="Hans" typeface="等线 Light"/>
+        <a:font script="Hant" typeface="新細明體"/>
+        <a:font script="Arab" typeface="Times New Roman"/>
+        <a:font script="Hebr" typeface="Times New Roman"/>
+        <a:font script="Thai" typeface="Angsana New"/>
+        <a:font script="Ethi" typeface="Nyala"/>
+        <a:font script="Beng" typeface="Vrinda"/>
+        <a:font script="Gujr" typeface="Shruti"/>
+        <a:font script="Khmr" typeface="MoolBoran"/>
+        <a:font script="Knda" typeface="Tunga"/>
+        <a:font script="Guru" typeface="Raavi"/>
+        <a:font script="Cans" typeface="Euphemia"/>
+        <a:font script="Cher" typeface="Plantagenet Cherokee"/>
+        <a:font script="Yiii" typeface="Microsoft Yi Baiti"/>
+        <a:font script="Tibt" typeface="Microsoft Himalaya"/>
+        <a:font script="Thaa" typeface="MV Boli"/>
+        <a:font script="Deva" typeface="Mangal"/>
+        <a:font script="Telu" typeface="Gautami"/>
+        <a:font script="Taml" typeface="Latha"/>
+        <a:font script="Syrc" typeface="Estrangelo Edessa"/>
+        <a:font script="Orya" typeface="Kalinga"/>
+        <a:font script="Mlym" typeface="Kartika"/>
+        <a:font script="Laoo" typeface="DokChampa"/>
+        <a:font script="Sinh" typeface="Iskoola Pota"/>
+        <a:font script="Mong" typeface="Mongolian Baiti"/>
+        <a:font script="Viet" typeface="Times New Roman"/>
+        <a:font script="Uigh" typeface="Microsoft Uighur"/>
+        <a:font script="Geor" typeface="Sylfaen"/>
+        <a:font script="Armn" typeface="Arial"/>
+        <a:font script="Bugi" typeface="Leelawadee UI"/>
+        <a:font script="Bopo" typeface="Microsoft JhengHei"/>
+        <a:font script="Java" typeface="Javanese Text"/>
+        <a:font script="Lisu" typeface="Segoe UI"/>
+        <a:font script="Mymr" typeface="Myanmar Text"/>
+        <a:font script="Nkoo" typeface="Ebrima"/>
+        <a:font script="Olck" typeface="Nirmala UI"/>
+        <a:font script="Osma" typeface="Ebrima"/>
+        <a:font script="Phag" typeface="Phagspa"/>
+        <a:font script="Syrn" typeface="Estrangelo Edessa"/>
+        <a:font script="Syrj" typeface="Estrangelo Edessa"/>
+        <a:font script="Syre" typeface="Estrangelo Edessa"/>
+        <a:font script="Sora" typeface="Nirmala UI"/>
+        <a:font script="Tale" typeface="Microsoft Tai Le"/>
+        <a:font script="Talu" typeface="Microsoft New Tai Lue"/>
+        <a:font script="Tfng" typeface="Ebrima"/>
+      </a:majorFont>
+      <a:minorFont>
+        <a:latin typeface="Calibri" panose="020F0502020204030204"/>
+        <a:ea typeface=""/>
+        <a:cs typeface=""/>
+        <a:font script="Jpan" typeface="游ゴシック"/>
+        <a:font script="Hang" typeface="맑은 고딕"/>
+        <a:font script="Hans" typeface="等线"/>
+        <a:font script="Hant" typeface="新細明體"/>
+        <a:font script="Arab" typeface="Arial"/>
+        <a:font script="Hebr" typeface="Arial"/>
+        <a:font script="Thai" typeface="Cordia New"/>
+        <a:font script="Ethi" typeface="Nyala"/>
+        <a:font script="Beng" typeface="Vrinda"/>
+        <a:font script="Gujr" typeface="Shruti"/>
+        <a:font script="Khmr" typeface="DaunPenh"/>
+        <a:font script="Knda" typeface="Tunga"/>
+        <a:font script="Guru" typeface="Raavi"/>
+        <a:font script="Cans" typeface="Euphemia"/>
+        <a:font script="Cher" typeface="Plantagenet Cherokee"/>
+        <a:font script="Yiii" typeface="Microsoft Yi Baiti"/>
+        <a:font script="Tibt" typeface="Microsoft Himalaya"/>
+        <a:font script="Thaa" typeface="MV Boli"/>
+        <a:font script="Deva" typeface="Mangal"/>
+        <a:font script="Telu" typeface="Gautami"/>
+        <a:font script="Taml" typeface="Latha"/>
+        <a:font script="Syrc" typeface="Estrangelo Edessa"/>
+        <a:font script="Orya" typeface="Kalinga"/>
+        <a:font script="Mlym" typeface="Kartika"/>
+        <a:font script="Laoo" typeface="DokChampa"/>
+        <a:font script="Sinh" typeface="Iskoola Pota"/>
+        <a:font script="Mong" typeface="Mongolian Baiti"/>
+        <a:font script="Viet" typeface="Arial"/>
+        <a:font script="Uigh" typeface="Microsoft Uighur"/>
+        <a:font script="Geor" typeface="Sylfaen"/>
+        <a:font script="Armn" typeface="Arial"/>
+        <a:font script="Bugi" typeface="Leelawadee UI"/>
+        <a:font script="Bopo" typeface="Microsoft JhengHei"/>
+        <a:font script="Java" typeface="Javanese Text"/>
+        <a:font script="Lisu" typeface="Segoe UI"/>
+        <a:font script="Mymr" typeface="Myanmar Text"/>
+        <a:font script="Nkoo" typeface="Ebrima"/>
+        <a:font script="Olck" typeface="Nirmala UI"/>
+        <a:font script="Osma" typeface="Ebrima"/>
+        <a:font script="Phag" typeface="Phagspa"/>
+        <a:font script="Syrn" typeface="Estrangelo Edessa"/>
+        <a:font script="Syrj" typeface="Estrangelo Edessa"/>
+        <a:font script="Syre" typeface="Estrangelo Edessa"/>
+        <a:font script="Sora" typeface="Nirmala UI"/>
+        <a:font script="Tale" typeface="Microsoft Tai Le"/>
+        <a:font script="Talu" typeface="Microsoft New Tai Lue"/>
+        <a:font script="Tfng" typeface="Ebrima"/>
+      </a:minorFont>
+    </a:fontScheme>
+    <a:fmtScheme name="Office">
+      <a:fillStyleLst>
+        <a:solidFill>
+          <a:schemeClr val="phClr"/>
+        </a:solidFill>
+        <a:gradFill rotWithShape="1">
+          <a:gsLst>
+            <a:gs pos="0">
+              <a:schemeClr val="phClr">
+                <a:lumMod val="110000"/>
+                <a:satMod val="105000"/>
+                <a:tint val="67000"/>
+              </a:schemeClr>
+            </a:gs>
+            <a:gs pos="50000">
+              <a:schemeClr val="phClr">
+                <a:lumMod val="105000"/>
+                <a:satMod val="103000"/>
+                <a:tint val="73000"/>
+              </a:schemeClr>
+            </a:gs>
+            <a:gs pos="100000">
+              <a:schemeClr val="phClr">
+                <a:lumMod val="105000"/>
+                <a:satMod val="109000"/>
+                <a:tint val="81000"/>
+              </a:schemeClr>
+            </a:gs>
+          </a:gsLst>
+          <a:lin ang="5400000" scaled="0"/>
+        </a:gradFill>
+        <a:gradFill rotWithShape="1">
+          <a:gsLst>
+            <a:gs pos="0">
+              <a:schemeClr val="phClr">
+                <a:satMod val="103000"/>
+                <a:lumMod val="102000"/>
+                <a:tint val="94000"/>
+              </a:schemeClr>
+            </a:gs>
+            <a:gs pos="50000">
+              <a:schemeClr val="phClr">
+                <a:satMod val="110000"/>
+                <a:lumMod val="100000"/>
+                <a:shade val="100000"/>
+              </a:schemeClr>
+            </a:gs>
+            <a:gs pos="100000">
+              <a:schemeClr val="phClr">
+                <a:lumMod val="99000"/>
+                <a:satMod val="120000"/>
+                <a:shade val="78000"/>
+              </a:schemeClr>
+            </a:gs>
+          </a:gsLst>
+          <a:lin ang="5400000" scaled="0"/>
+        </a:gradFill>
+      </a:fillStyleLst>
+      <a:lnStyleLst>
+        <a:ln w="6350" cap="flat" cmpd="sng" algn="ctr">
+          <a:solidFill>
+            <a:schemeClr val="phClr"/>
+          </a:solidFill>
+          <a:prstDash val="solid"/>
+          <a:miter lim="800000"/>
+        </a:ln>
+        <a:ln w="12700" cap="flat" cmpd="sng" algn="ctr">
+          <a:solidFill>
+            <a:schemeClr val="phClr"/>
+          </a:solidFill>
+          <a:prstDash val="solid"/>
+          <a:miter lim="800000"/>
+        </a:ln>
+        <a:ln w="19050" cap="flat" cmpd="sng" algn="ctr">
+          <a:solidFill>
+            <a:schemeClr val="phClr"/>
+          </a:solidFill>
+          <a:prstDash val="solid"/>
+          <a:miter lim="800000"/>
+        </a:ln>
+      </a:lnStyleLst>
+      <a:effectStyleLst>
+        <a:effectStyle>
+          <a:effectLst/>
+        </a:effectStyle>
+        <a:effectStyle>
+          <a:effectLst/>
+        </a:effectStyle>
+        <a:effectStyle>
+          <a:effectLst>
+            <a:outerShdw blurRad="57150" dist="19050" dir="5400000" algn="ctr" rotWithShape="0">
+              <a:srgbClr val="000000">
+                <a:alpha val="63000"/>
+              </a:srgbClr>
+            </a:outerShdw>
+          </a:effectLst>
+        </a:effectStyle>
+      </a:effectStyleLst>
+      <a:bgFillStyleLst>
+        <a:solidFill>
+          <a:schemeClr val="phClr"/>
+        </a:solidFill>
+        <a:solidFill>
+          <a:schemeClr val="phClr">
+            <a:tint val="95000"/>
+            <a:satMod val="170000"/>
+          </a:schemeClr>
+        </a:solidFill>
+        <a:gradFill rotWithShape="1">
+          <a:gsLst>
+            <a:gs pos="0">
+              <a:schemeClr val="phClr">
+                <a:tint val="93000"/>
+                <a:satMod val="150000"/>
+                <a:shade val="98000"/>
+                <a:lumMod val="102000"/>
+              </a:schemeClr>
+            </a:gs>
+            <a:gs pos="50000">
+              <a:schemeClr val="phClr">
+                <a:tint val="98000"/>
+                <a:satMod val="130000"/>
+                <a:shade val="90000"/>
+                <a:lumMod val="103000"/>
+              </a:schemeClr>
+            </a:gs>
+            <a:gs pos="100000">
+              <a:schemeClr val="phClr">
+                <a:shade val="63000"/>
+                <a:satMod val="120000"/>
+              </a:schemeClr>
+            </a:gs>
+          </a:gsLst>
+          <a:lin ang="5400000" scaled="0"/>
+        </a:gradFill>
+      </a:bgFillStyleLst>
+    </a:fmtScheme>
+  </a:themeElements>
+  <a:objectDefaults/>
+  <a:extraClrSchemeLst/>
+  <a:extLst>
+    <a:ext uri="{05A4C25C-085E-4340-85A3-A5531E510DB2}">
+      <thm15:themeFamily xmlns:thm15="http://schemas.microsoft.com/office/thememl/2012/main" name="Office Theme" id="{62F939B6-93AF-4DB8-9C6B-D6C7DFDC589F}" vid="{4A3C46E8-61CC-4603-A589-7422A47A8E4A}"/>
+    </a:ext>
+  </a:extLst>
+</a:theme>
+</file>
+
 <file path=ppt/theme/themeOverride1.xml><?xml version="1.0" encoding="utf-8"?>
 <a:themeOverride xmlns:a="http://schemas.openxmlformats.org/drawingml/2006/main">
   <a:clrScheme name="Tema de Office">
